--- a/OJO-Publisher.pptx
+++ b/OJO-Publisher.pptx
@@ -5,10 +5,10 @@
     <p:sldMasterId id="2147483648" r:id="rId1"/>
   </p:sldMasterIdLst>
   <p:notesMasterIdLst>
-    <p:notesMasterId r:id="rId15"/>
+    <p:notesMasterId r:id="rId16"/>
   </p:notesMasterIdLst>
   <p:handoutMasterIdLst>
-    <p:handoutMasterId r:id="rId16"/>
+    <p:handoutMasterId r:id="rId17"/>
   </p:handoutMasterIdLst>
   <p:sldIdLst>
     <p:sldId id="256" r:id="rId2"/>
@@ -20,10 +20,11 @@
     <p:sldId id="261" r:id="rId8"/>
     <p:sldId id="262" r:id="rId9"/>
     <p:sldId id="263" r:id="rId10"/>
-    <p:sldId id="265" r:id="rId11"/>
-    <p:sldId id="266" r:id="rId12"/>
-    <p:sldId id="267" r:id="rId13"/>
-    <p:sldId id="268" r:id="rId14"/>
+    <p:sldId id="270" r:id="rId11"/>
+    <p:sldId id="265" r:id="rId12"/>
+    <p:sldId id="266" r:id="rId13"/>
+    <p:sldId id="267" r:id="rId14"/>
+    <p:sldId id="268" r:id="rId15"/>
   </p:sldIdLst>
   <p:sldSz cx="9144000" cy="6858000" type="screen4x3"/>
   <p:notesSz cx="6858000" cy="9144000"/>
@@ -3798,21 +3799,18 @@
             <p:ph type="title"/>
           </p:nvPr>
         </p:nvSpPr>
-        <p:spPr>
-          <a:xfrm>
-            <a:off x="457200" y="0"/>
-            <a:ext cx="8229600" cy="941338"/>
-          </a:xfrm>
-        </p:spPr>
-        <p:txBody>
-          <a:bodyPr>
-            <a:normAutofit/>
-          </a:bodyPr>
+        <p:spPr/>
+        <p:txBody>
+          <a:bodyPr/>
           <a:lstStyle/>
           <a:p>
             <a:r>
               <a:rPr lang="en-US" dirty="0" smtClean="0"/>
-              <a:t>Goal Today</a:t>
+              <a:t>OJO-</a:t>
+            </a:r>
+            <a:r>
+              <a:rPr lang="en-US" dirty="0" err="1" smtClean="0"/>
+              <a:t>GeoApp</a:t>
             </a:r>
             <a:endParaRPr lang="en-US" dirty="0"/>
           </a:p>
@@ -3843,31 +3841,9 @@
       </p:sp>
       <p:pic>
         <p:nvPicPr>
-          <p:cNvPr id="6" name="Picture 5"/>
-          <p:cNvPicPr>
-            <a:picLocks noChangeAspect="1"/>
-          </p:cNvPicPr>
-          <p:nvPr/>
-        </p:nvPicPr>
-        <p:blipFill>
-          <a:blip r:embed="rId2"/>
-          <a:stretch>
-            <a:fillRect/>
-          </a:stretch>
-        </p:blipFill>
-        <p:spPr>
-          <a:xfrm>
-            <a:off x="2418365" y="2376614"/>
-            <a:ext cx="1270000" cy="1270000"/>
-          </a:xfrm>
-          <a:prstGeom prst="rect">
-            <a:avLst/>
-          </a:prstGeom>
-        </p:spPr>
-      </p:pic>
-      <p:pic>
-        <p:nvPicPr>
-          <p:cNvPr id="7" name="Picture 6"/>
+          <p:cNvPr id="5" name="Picture 4">
+            <a:hlinkClick r:id="rId2"/>
+          </p:cNvPr>
           <p:cNvPicPr>
             <a:picLocks noChangeAspect="1"/>
           </p:cNvPicPr>
@@ -3881,570 +3857,18 @@
         </p:blipFill>
         <p:spPr>
           <a:xfrm>
-            <a:off x="2717800" y="1186716"/>
-            <a:ext cx="1854200" cy="1092200"/>
+            <a:off x="996687" y="1417638"/>
+            <a:ext cx="6829114" cy="4784639"/>
           </a:xfrm>
           <a:prstGeom prst="rect">
             <a:avLst/>
           </a:prstGeom>
         </p:spPr>
       </p:pic>
-      <p:sp>
-        <p:nvSpPr>
-          <p:cNvPr id="8" name="TextBox 7"/>
-          <p:cNvSpPr txBox="1"/>
-          <p:nvPr/>
-        </p:nvSpPr>
-        <p:spPr>
-          <a:xfrm>
-            <a:off x="390760" y="2522074"/>
-            <a:ext cx="1198728" cy="646331"/>
-          </a:xfrm>
-          <a:prstGeom prst="rect">
-            <a:avLst/>
-          </a:prstGeom>
-          <a:noFill/>
-        </p:spPr>
-        <p:txBody>
-          <a:bodyPr wrap="none" rtlCol="0">
-            <a:spAutoFit/>
-          </a:bodyPr>
-          <a:lstStyle/>
-          <a:p>
-            <a:r>
-              <a:rPr lang="en-US" dirty="0" smtClean="0"/>
-              <a:t>Radarsat-2</a:t>
-            </a:r>
-          </a:p>
-          <a:p>
-            <a:endParaRPr lang="en-US" dirty="0">
-              <a:solidFill>
-                <a:schemeClr val="bg1">
-                  <a:lumMod val="75000"/>
-                </a:schemeClr>
-              </a:solidFill>
-            </a:endParaRPr>
-          </a:p>
-        </p:txBody>
-      </p:sp>
-      <p:cxnSp>
-        <p:nvCxnSpPr>
-          <p:cNvPr id="11" name="Straight Arrow Connector 10"/>
-          <p:cNvCxnSpPr/>
-          <p:nvPr/>
-        </p:nvCxnSpPr>
-        <p:spPr>
-          <a:xfrm>
-            <a:off x="1660729" y="2735208"/>
-            <a:ext cx="692710" cy="0"/>
-          </a:xfrm>
-          <a:prstGeom prst="straightConnector1">
-            <a:avLst/>
-          </a:prstGeom>
-          <a:ln>
-            <a:tailEnd type="arrow"/>
-          </a:ln>
-        </p:spPr>
-        <p:style>
-          <a:lnRef idx="2">
-            <a:schemeClr val="accent1"/>
-          </a:lnRef>
-          <a:fillRef idx="0">
-            <a:schemeClr val="accent1"/>
-          </a:fillRef>
-          <a:effectRef idx="1">
-            <a:schemeClr val="accent1"/>
-          </a:effectRef>
-          <a:fontRef idx="minor">
-            <a:schemeClr val="tx1"/>
-          </a:fontRef>
-        </p:style>
-      </p:cxnSp>
-      <p:sp>
-        <p:nvSpPr>
-          <p:cNvPr id="12" name="Rectangle 11"/>
-          <p:cNvSpPr/>
-          <p:nvPr/>
-        </p:nvSpPr>
-        <p:spPr>
-          <a:xfrm>
-            <a:off x="208535" y="5057728"/>
-            <a:ext cx="5976152" cy="1477328"/>
-          </a:xfrm>
-          <a:prstGeom prst="rect">
-            <a:avLst/>
-          </a:prstGeom>
-        </p:spPr>
-        <p:txBody>
-          <a:bodyPr wrap="square">
-            <a:spAutoFit/>
-          </a:bodyPr>
-          <a:lstStyle/>
-          <a:p>
-            <a:r>
-              <a:rPr lang="en-US" b="1" dirty="0" smtClean="0"/>
-              <a:t>Infrastructure</a:t>
-            </a:r>
-            <a:r>
-              <a:rPr lang="en-US" dirty="0" smtClean="0"/>
-              <a:t>: </a:t>
-            </a:r>
-            <a:r>
-              <a:rPr lang="en-US" dirty="0" smtClean="0"/>
-              <a:t>Amazon Web Service (AWS) Virtual Instance, Storage (S3) and Relational Database Service (RDS)</a:t>
-            </a:r>
-            <a:endParaRPr lang="en-US" dirty="0"/>
-          </a:p>
-          <a:p>
-            <a:r>
-              <a:rPr lang="en-US" dirty="0" smtClean="0"/>
-              <a:t>Python Algorithms</a:t>
-            </a:r>
-            <a:endParaRPr lang="en-US" dirty="0"/>
-          </a:p>
-          <a:p>
-            <a:r>
-              <a:rPr lang="en-US" dirty="0"/>
-              <a:t>DEM, HAND, Reference </a:t>
-            </a:r>
-            <a:r>
-              <a:rPr lang="en-US" dirty="0" smtClean="0"/>
-              <a:t>Water</a:t>
-            </a:r>
-          </a:p>
-          <a:p>
-            <a:r>
-              <a:rPr lang="en-US" dirty="0" smtClean="0"/>
-              <a:t>Open </a:t>
-            </a:r>
-            <a:r>
-              <a:rPr lang="en-US" dirty="0" err="1" smtClean="0"/>
-              <a:t>GeoSocial</a:t>
-            </a:r>
-            <a:r>
-              <a:rPr lang="en-US" dirty="0" smtClean="0"/>
-              <a:t> API</a:t>
-            </a:r>
-            <a:endParaRPr lang="en-US" dirty="0"/>
-          </a:p>
-        </p:txBody>
-      </p:sp>
-      <p:pic>
-        <p:nvPicPr>
-          <p:cNvPr id="13" name="Picture 12"/>
-          <p:cNvPicPr>
-            <a:picLocks noChangeAspect="1"/>
-          </p:cNvPicPr>
-          <p:nvPr/>
-        </p:nvPicPr>
-        <p:blipFill>
-          <a:blip r:embed="rId4"/>
-          <a:stretch>
-            <a:fillRect/>
-          </a:stretch>
-        </p:blipFill>
-        <p:spPr>
-          <a:xfrm>
-            <a:off x="4468929" y="3099192"/>
-            <a:ext cx="623211" cy="623211"/>
-          </a:xfrm>
-          <a:prstGeom prst="rect">
-            <a:avLst/>
-          </a:prstGeom>
-        </p:spPr>
-      </p:pic>
-      <p:pic>
-        <p:nvPicPr>
-          <p:cNvPr id="14" name="Picture 13"/>
-          <p:cNvPicPr>
-            <a:picLocks noChangeAspect="1"/>
-          </p:cNvPicPr>
-          <p:nvPr/>
-        </p:nvPicPr>
-        <p:blipFill>
-          <a:blip r:embed="rId5"/>
-          <a:stretch>
-            <a:fillRect/>
-          </a:stretch>
-        </p:blipFill>
-        <p:spPr>
-          <a:xfrm>
-            <a:off x="5398557" y="1429767"/>
-            <a:ext cx="786130" cy="1092307"/>
-          </a:xfrm>
-          <a:prstGeom prst="rect">
-            <a:avLst/>
-          </a:prstGeom>
-        </p:spPr>
-      </p:pic>
-      <p:pic>
-        <p:nvPicPr>
-          <p:cNvPr id="15" name="Picture 14"/>
-          <p:cNvPicPr>
-            <a:picLocks noChangeAspect="1"/>
-          </p:cNvPicPr>
-          <p:nvPr/>
-        </p:nvPicPr>
-        <p:blipFill>
-          <a:blip r:embed="rId6"/>
-          <a:stretch>
-            <a:fillRect/>
-          </a:stretch>
-        </p:blipFill>
-        <p:spPr>
-          <a:xfrm>
-            <a:off x="7251700" y="1933545"/>
-            <a:ext cx="1435100" cy="1854200"/>
-          </a:xfrm>
-          <a:prstGeom prst="rect">
-            <a:avLst/>
-          </a:prstGeom>
-        </p:spPr>
-      </p:pic>
-      <p:sp>
-        <p:nvSpPr>
-          <p:cNvPr id="16" name="TextBox 15"/>
-          <p:cNvSpPr txBox="1"/>
-          <p:nvPr/>
-        </p:nvSpPr>
-        <p:spPr>
-          <a:xfrm>
-            <a:off x="5834754" y="1069316"/>
-            <a:ext cx="973644" cy="369332"/>
-          </a:xfrm>
-          <a:prstGeom prst="rect">
-            <a:avLst/>
-          </a:prstGeom>
-          <a:noFill/>
-        </p:spPr>
-        <p:txBody>
-          <a:bodyPr wrap="none" rtlCol="0">
-            <a:spAutoFit/>
-          </a:bodyPr>
-          <a:lstStyle/>
-          <a:p>
-            <a:r>
-              <a:rPr lang="en-US" dirty="0" smtClean="0"/>
-              <a:t>Scientist</a:t>
-            </a:r>
-            <a:endParaRPr lang="en-US" dirty="0"/>
-          </a:p>
-        </p:txBody>
-      </p:sp>
-      <p:cxnSp>
-        <p:nvCxnSpPr>
-          <p:cNvPr id="17" name="Straight Arrow Connector 16"/>
-          <p:cNvCxnSpPr/>
-          <p:nvPr/>
-        </p:nvCxnSpPr>
-        <p:spPr>
-          <a:xfrm>
-            <a:off x="3776219" y="3420441"/>
-            <a:ext cx="692710" cy="0"/>
-          </a:xfrm>
-          <a:prstGeom prst="straightConnector1">
-            <a:avLst/>
-          </a:prstGeom>
-          <a:ln>
-            <a:tailEnd type="arrow"/>
-          </a:ln>
-        </p:spPr>
-        <p:style>
-          <a:lnRef idx="2">
-            <a:schemeClr val="accent1"/>
-          </a:lnRef>
-          <a:fillRef idx="0">
-            <a:schemeClr val="accent1"/>
-          </a:fillRef>
-          <a:effectRef idx="1">
-            <a:schemeClr val="accent1"/>
-          </a:effectRef>
-          <a:fontRef idx="minor">
-            <a:schemeClr val="tx1"/>
-          </a:fontRef>
-        </p:style>
-      </p:cxnSp>
-      <p:cxnSp>
-        <p:nvCxnSpPr>
-          <p:cNvPr id="18" name="Straight Arrow Connector 17"/>
-          <p:cNvCxnSpPr/>
-          <p:nvPr/>
-        </p:nvCxnSpPr>
-        <p:spPr>
-          <a:xfrm flipV="1">
-            <a:off x="5092140" y="2655284"/>
-            <a:ext cx="564995" cy="674920"/>
-          </a:xfrm>
-          <a:prstGeom prst="straightConnector1">
-            <a:avLst/>
-          </a:prstGeom>
-          <a:ln>
-            <a:tailEnd type="arrow"/>
-          </a:ln>
-        </p:spPr>
-        <p:style>
-          <a:lnRef idx="2">
-            <a:schemeClr val="accent1"/>
-          </a:lnRef>
-          <a:fillRef idx="0">
-            <a:schemeClr val="accent1"/>
-          </a:fillRef>
-          <a:effectRef idx="1">
-            <a:schemeClr val="accent1"/>
-          </a:effectRef>
-          <a:fontRef idx="minor">
-            <a:schemeClr val="tx1"/>
-          </a:fontRef>
-        </p:style>
-      </p:cxnSp>
-      <p:cxnSp>
-        <p:nvCxnSpPr>
-          <p:cNvPr id="21" name="Straight Arrow Connector 20"/>
-          <p:cNvCxnSpPr/>
-          <p:nvPr/>
-        </p:nvCxnSpPr>
-        <p:spPr>
-          <a:xfrm>
-            <a:off x="6184687" y="2376614"/>
-            <a:ext cx="848988" cy="358594"/>
-          </a:xfrm>
-          <a:prstGeom prst="straightConnector1">
-            <a:avLst/>
-          </a:prstGeom>
-          <a:ln>
-            <a:headEnd type="arrow"/>
-            <a:tailEnd type="arrow"/>
-          </a:ln>
-        </p:spPr>
-        <p:style>
-          <a:lnRef idx="2">
-            <a:schemeClr val="accent1"/>
-          </a:lnRef>
-          <a:fillRef idx="0">
-            <a:schemeClr val="accent1"/>
-          </a:fillRef>
-          <a:effectRef idx="1">
-            <a:schemeClr val="accent1"/>
-          </a:effectRef>
-          <a:fontRef idx="minor">
-            <a:schemeClr val="tx1"/>
-          </a:fontRef>
-        </p:style>
-      </p:cxnSp>
-      <p:sp>
-        <p:nvSpPr>
-          <p:cNvPr id="26" name="TextBox 25"/>
-          <p:cNvSpPr txBox="1"/>
-          <p:nvPr/>
-        </p:nvSpPr>
-        <p:spPr>
-          <a:xfrm>
-            <a:off x="2023472" y="3880798"/>
-            <a:ext cx="2151926" cy="369332"/>
-          </a:xfrm>
-          <a:prstGeom prst="rect">
-            <a:avLst/>
-          </a:prstGeom>
-          <a:noFill/>
-        </p:spPr>
-        <p:txBody>
-          <a:bodyPr wrap="none" rtlCol="0">
-            <a:spAutoFit/>
-          </a:bodyPr>
-          <a:lstStyle/>
-          <a:p>
-            <a:r>
-              <a:rPr lang="en-US" dirty="0" smtClean="0"/>
-              <a:t>AWS Virtual Instance</a:t>
-            </a:r>
-            <a:endParaRPr lang="en-US" dirty="0"/>
-          </a:p>
-        </p:txBody>
-      </p:sp>
-      <p:sp>
-        <p:nvSpPr>
-          <p:cNvPr id="27" name="TextBox 26"/>
-          <p:cNvSpPr txBox="1"/>
-          <p:nvPr/>
-        </p:nvSpPr>
-        <p:spPr>
-          <a:xfrm>
-            <a:off x="4572000" y="3891504"/>
-            <a:ext cx="1189824" cy="369332"/>
-          </a:xfrm>
-          <a:prstGeom prst="rect">
-            <a:avLst/>
-          </a:prstGeom>
-          <a:noFill/>
-        </p:spPr>
-        <p:txBody>
-          <a:bodyPr wrap="none" rtlCol="0">
-            <a:spAutoFit/>
-          </a:bodyPr>
-          <a:lstStyle/>
-          <a:p>
-            <a:r>
-              <a:rPr lang="en-US" dirty="0" smtClean="0"/>
-              <a:t>Flood Map</a:t>
-            </a:r>
-            <a:endParaRPr lang="en-US" dirty="0"/>
-          </a:p>
-        </p:txBody>
-      </p:sp>
-      <p:sp>
-        <p:nvSpPr>
-          <p:cNvPr id="3" name="TextBox 2"/>
-          <p:cNvSpPr txBox="1"/>
-          <p:nvPr/>
-        </p:nvSpPr>
-        <p:spPr>
-          <a:xfrm>
-            <a:off x="3496442" y="1069316"/>
-            <a:ext cx="1056700" cy="369332"/>
-          </a:xfrm>
-          <a:prstGeom prst="rect">
-            <a:avLst/>
-          </a:prstGeom>
-          <a:noFill/>
-        </p:spPr>
-        <p:txBody>
-          <a:bodyPr wrap="none" rtlCol="0">
-            <a:spAutoFit/>
-          </a:bodyPr>
-          <a:lstStyle/>
-          <a:p>
-            <a:r>
-              <a:rPr lang="en-US" dirty="0" smtClean="0"/>
-              <a:t>AWS RDS</a:t>
-            </a:r>
-            <a:endParaRPr lang="en-US" dirty="0"/>
-          </a:p>
-        </p:txBody>
-      </p:sp>
-      <p:pic>
-        <p:nvPicPr>
-          <p:cNvPr id="5" name="Picture 4"/>
-          <p:cNvPicPr>
-            <a:picLocks noChangeAspect="1"/>
-          </p:cNvPicPr>
-          <p:nvPr/>
-        </p:nvPicPr>
-        <p:blipFill>
-          <a:blip r:embed="rId7"/>
-          <a:stretch>
-            <a:fillRect/>
-          </a:stretch>
-        </p:blipFill>
-        <p:spPr>
-          <a:xfrm>
-            <a:off x="1334477" y="1186716"/>
-            <a:ext cx="652504" cy="652504"/>
-          </a:xfrm>
-          <a:prstGeom prst="rect">
-            <a:avLst/>
-          </a:prstGeom>
-        </p:spPr>
-      </p:pic>
-      <p:sp>
-        <p:nvSpPr>
-          <p:cNvPr id="9" name="Rectangle 8"/>
-          <p:cNvSpPr/>
-          <p:nvPr/>
-        </p:nvSpPr>
-        <p:spPr>
-          <a:xfrm>
-            <a:off x="1137043" y="756672"/>
-            <a:ext cx="904890" cy="369332"/>
-          </a:xfrm>
-          <a:prstGeom prst="rect">
-            <a:avLst/>
-          </a:prstGeom>
-        </p:spPr>
-        <p:txBody>
-          <a:bodyPr wrap="none">
-            <a:spAutoFit/>
-          </a:bodyPr>
-          <a:lstStyle/>
-          <a:p>
-            <a:r>
-              <a:rPr lang="en-US" dirty="0"/>
-              <a:t>AWS </a:t>
-            </a:r>
-            <a:r>
-              <a:rPr lang="en-US" dirty="0" smtClean="0"/>
-              <a:t>S3</a:t>
-            </a:r>
-            <a:endParaRPr lang="en-US" dirty="0"/>
-          </a:p>
-        </p:txBody>
-      </p:sp>
-      <p:cxnSp>
-        <p:nvCxnSpPr>
-          <p:cNvPr id="22" name="Straight Arrow Connector 21"/>
-          <p:cNvCxnSpPr/>
-          <p:nvPr/>
-        </p:nvCxnSpPr>
-        <p:spPr>
-          <a:xfrm>
-            <a:off x="1660729" y="2522074"/>
-            <a:ext cx="692710" cy="0"/>
-          </a:xfrm>
-          <a:prstGeom prst="straightConnector1">
-            <a:avLst/>
-          </a:prstGeom>
-          <a:ln>
-            <a:tailEnd type="arrow"/>
-          </a:ln>
-        </p:spPr>
-        <p:style>
-          <a:lnRef idx="2">
-            <a:schemeClr val="accent1"/>
-          </a:lnRef>
-          <a:fillRef idx="0">
-            <a:schemeClr val="accent1"/>
-          </a:fillRef>
-          <a:effectRef idx="1">
-            <a:schemeClr val="accent1"/>
-          </a:effectRef>
-          <a:fontRef idx="minor">
-            <a:schemeClr val="tx1"/>
-          </a:fontRef>
-        </p:style>
-      </p:cxnSp>
-      <p:cxnSp>
-        <p:nvCxnSpPr>
-          <p:cNvPr id="19" name="Straight Connector 18"/>
-          <p:cNvCxnSpPr/>
-          <p:nvPr/>
-        </p:nvCxnSpPr>
-        <p:spPr>
-          <a:xfrm flipV="1">
-            <a:off x="1660729" y="1933545"/>
-            <a:ext cx="0" cy="588529"/>
-          </a:xfrm>
-          <a:prstGeom prst="line">
-            <a:avLst/>
-          </a:prstGeom>
-        </p:spPr>
-        <p:style>
-          <a:lnRef idx="2">
-            <a:schemeClr val="accent1"/>
-          </a:lnRef>
-          <a:fillRef idx="0">
-            <a:schemeClr val="accent1"/>
-          </a:fillRef>
-          <a:effectRef idx="1">
-            <a:schemeClr val="accent1"/>
-          </a:effectRef>
-          <a:fontRef idx="minor">
-            <a:schemeClr val="tx1"/>
-          </a:fontRef>
-        </p:style>
-      </p:cxnSp>
     </p:spTree>
     <p:extLst>
       <p:ext uri="{BB962C8B-B14F-4D97-AF65-F5344CB8AC3E}">
-        <p14:creationId xmlns:p14="http://schemas.microsoft.com/office/powerpoint/2010/main" val="1135388756"/>
+        <p14:creationId xmlns:p14="http://schemas.microsoft.com/office/powerpoint/2010/main" val="1470785093"/>
       </p:ext>
     </p:extLst>
   </p:cSld>
@@ -4495,7 +3919,7 @@
           <a:p>
             <a:r>
               <a:rPr lang="en-US" dirty="0" smtClean="0"/>
-              <a:t>Goal Later…</a:t>
+              <a:t>Goal Today</a:t>
             </a:r>
             <a:endParaRPr lang="en-US" dirty="0"/>
           </a:p>
@@ -4520,7 +3944,7 @@
               <a:rPr lang="en-US" smtClean="0"/>
               <a:t>11</a:t>
             </a:fld>
-            <a:endParaRPr lang="en-US" dirty="0"/>
+            <a:endParaRPr lang="en-US"/>
           </a:p>
         </p:txBody>
       </p:sp>
@@ -4564,7 +3988,7 @@
         </p:blipFill>
         <p:spPr>
           <a:xfrm>
-            <a:off x="3018380" y="1186716"/>
+            <a:off x="2717800" y="1186716"/>
             <a:ext cx="1854200" cy="1092200"/>
           </a:xfrm>
           <a:prstGeom prst="rect">
@@ -4580,8 +4004,8 @@
         </p:nvSpPr>
         <p:spPr>
           <a:xfrm>
-            <a:off x="553206" y="5007579"/>
-            <a:ext cx="841096" cy="369332"/>
+            <a:off x="390760" y="2522074"/>
+            <a:ext cx="1198728" cy="646331"/>
           </a:xfrm>
           <a:prstGeom prst="rect">
             <a:avLst/>
@@ -4595,16 +4019,16 @@
           <a:lstStyle/>
           <a:p>
             <a:r>
-              <a:rPr lang="en-US" dirty="0" smtClean="0">
-                <a:solidFill>
-                  <a:srgbClr val="000000"/>
-                </a:solidFill>
-              </a:rPr>
-              <a:t>MODIS</a:t>
-            </a:r>
+              <a:rPr lang="en-US" dirty="0" smtClean="0"/>
+              <a:t>Radarsat-2</a:t>
+            </a:r>
+          </a:p>
+          <a:p>
             <a:endParaRPr lang="en-US" dirty="0">
               <a:solidFill>
-                <a:srgbClr val="000000"/>
+                <a:schemeClr val="bg1">
+                  <a:lumMod val="75000"/>
+                </a:schemeClr>
               </a:solidFill>
             </a:endParaRPr>
           </a:p>
@@ -4618,14 +4042,13 @@
         </p:nvCxnSpPr>
         <p:spPr>
           <a:xfrm>
-            <a:off x="1571920" y="2735208"/>
-            <a:ext cx="390759" cy="0"/>
+            <a:off x="1660729" y="2735208"/>
+            <a:ext cx="692710" cy="0"/>
           </a:xfrm>
           <a:prstGeom prst="straightConnector1">
             <a:avLst/>
           </a:prstGeom>
           <a:ln>
-            <a:headEnd type="arrow"/>
             <a:tailEnd type="arrow"/>
           </a:ln>
         </p:spPr>
@@ -4644,6 +4067,85 @@
           </a:fontRef>
         </p:style>
       </p:cxnSp>
+      <p:sp>
+        <p:nvSpPr>
+          <p:cNvPr id="12" name="Rectangle 11"/>
+          <p:cNvSpPr/>
+          <p:nvPr/>
+        </p:nvSpPr>
+        <p:spPr>
+          <a:xfrm>
+            <a:off x="208535" y="5057728"/>
+            <a:ext cx="5976152" cy="1477328"/>
+          </a:xfrm>
+          <a:prstGeom prst="rect">
+            <a:avLst/>
+          </a:prstGeom>
+        </p:spPr>
+        <p:txBody>
+          <a:bodyPr wrap="square">
+            <a:spAutoFit/>
+          </a:bodyPr>
+          <a:lstStyle/>
+          <a:p>
+            <a:r>
+              <a:rPr lang="en-US" b="1" dirty="0" smtClean="0"/>
+              <a:t>Infrastructure</a:t>
+            </a:r>
+            <a:r>
+              <a:rPr lang="en-US" dirty="0" smtClean="0"/>
+              <a:t>: Amazon Web Service (AWS) </a:t>
+            </a:r>
+            <a:r>
+              <a:rPr lang="en-US" dirty="0" smtClean="0"/>
+              <a:t>Elastic Cloud (EC2) Virtual </a:t>
+            </a:r>
+            <a:r>
+              <a:rPr lang="en-US" dirty="0" smtClean="0"/>
+              <a:t>Instance, Storage (S3) and Relational Database Service (RDS)</a:t>
+            </a:r>
+            <a:endParaRPr lang="en-US" dirty="0"/>
+          </a:p>
+          <a:p>
+            <a:r>
+              <a:rPr lang="en-US" b="1" dirty="0" smtClean="0"/>
+              <a:t>Run</a:t>
+            </a:r>
+            <a:r>
+              <a:rPr lang="en-US" dirty="0" smtClean="0"/>
+              <a:t>: Python </a:t>
+            </a:r>
+            <a:r>
+              <a:rPr lang="en-US" dirty="0" smtClean="0"/>
+              <a:t>Algorithms</a:t>
+            </a:r>
+            <a:endParaRPr lang="en-US" dirty="0"/>
+          </a:p>
+          <a:p>
+            <a:r>
+              <a:rPr lang="en-US" b="1" dirty="0" smtClean="0"/>
+              <a:t>Use</a:t>
+            </a:r>
+            <a:r>
+              <a:rPr lang="en-US" dirty="0" smtClean="0"/>
+              <a:t>: DEM</a:t>
+            </a:r>
+            <a:r>
+              <a:rPr lang="en-US" dirty="0"/>
+              <a:t>, HAND, </a:t>
+            </a:r>
+            <a:r>
+              <a:rPr lang="en-US" dirty="0" err="1" smtClean="0"/>
+              <a:t>OpenStreetMap</a:t>
+            </a:r>
+            <a:r>
+              <a:rPr lang="en-US" dirty="0" smtClean="0"/>
+              <a:t> Reference Water</a:t>
+            </a:r>
+            <a:endParaRPr lang="en-US" dirty="0" smtClean="0"/>
+          </a:p>
+        </p:txBody>
+      </p:sp>
       <p:pic>
         <p:nvPicPr>
           <p:cNvPr id="13" name="Picture 12"/>
@@ -4660,8 +4162,8 @@
         </p:blipFill>
         <p:spPr>
           <a:xfrm>
-            <a:off x="4468929" y="2992744"/>
-            <a:ext cx="729660" cy="729660"/>
+            <a:off x="4468929" y="3099192"/>
+            <a:ext cx="623211" cy="623211"/>
           </a:xfrm>
           <a:prstGeom prst="rect">
             <a:avLst/>
@@ -4684,7 +4186,7 @@
         </p:blipFill>
         <p:spPr>
           <a:xfrm>
-            <a:off x="5981442" y="1438648"/>
+            <a:off x="5398557" y="1429767"/>
             <a:ext cx="786130" cy="1092307"/>
           </a:xfrm>
           <a:prstGeom prst="rect">
@@ -4692,111 +4194,9 @@
           </a:prstGeom>
         </p:spPr>
       </p:pic>
-      <p:sp>
-        <p:nvSpPr>
-          <p:cNvPr id="16" name="TextBox 15"/>
-          <p:cNvSpPr txBox="1"/>
-          <p:nvPr/>
-        </p:nvSpPr>
-        <p:spPr>
-          <a:xfrm>
-            <a:off x="5834754" y="1069316"/>
-            <a:ext cx="973644" cy="369332"/>
-          </a:xfrm>
-          <a:prstGeom prst="rect">
-            <a:avLst/>
-          </a:prstGeom>
-          <a:noFill/>
-        </p:spPr>
-        <p:txBody>
-          <a:bodyPr wrap="none" rtlCol="0">
-            <a:spAutoFit/>
-          </a:bodyPr>
-          <a:lstStyle/>
-          <a:p>
-            <a:r>
-              <a:rPr lang="en-US" dirty="0" smtClean="0"/>
-              <a:t>Scientist</a:t>
-            </a:r>
-            <a:endParaRPr lang="en-US" dirty="0"/>
-          </a:p>
-        </p:txBody>
-      </p:sp>
-      <p:cxnSp>
-        <p:nvCxnSpPr>
-          <p:cNvPr id="17" name="Straight Arrow Connector 16"/>
-          <p:cNvCxnSpPr/>
-          <p:nvPr/>
-        </p:nvCxnSpPr>
-        <p:spPr>
-          <a:xfrm>
-            <a:off x="3776219" y="3420441"/>
-            <a:ext cx="692710" cy="0"/>
-          </a:xfrm>
-          <a:prstGeom prst="straightConnector1">
-            <a:avLst/>
-          </a:prstGeom>
-          <a:ln>
-            <a:tailEnd type="arrow"/>
-          </a:ln>
-        </p:spPr>
-        <p:style>
-          <a:lnRef idx="2">
-            <a:schemeClr val="accent1"/>
-          </a:lnRef>
-          <a:fillRef idx="0">
-            <a:schemeClr val="accent1"/>
-          </a:fillRef>
-          <a:effectRef idx="1">
-            <a:schemeClr val="accent1"/>
-          </a:effectRef>
-          <a:fontRef idx="minor">
-            <a:schemeClr val="tx1"/>
-          </a:fontRef>
-        </p:style>
-      </p:cxnSp>
-      <p:sp>
-        <p:nvSpPr>
-          <p:cNvPr id="5" name="Rectangle 4"/>
-          <p:cNvSpPr/>
-          <p:nvPr/>
-        </p:nvSpPr>
-        <p:spPr>
-          <a:xfrm>
-            <a:off x="1962679" y="1069316"/>
-            <a:ext cx="3435878" cy="4138333"/>
-          </a:xfrm>
-          <a:prstGeom prst="rect">
-            <a:avLst/>
-          </a:prstGeom>
-          <a:noFill/>
-        </p:spPr>
-        <p:style>
-          <a:lnRef idx="1">
-            <a:schemeClr val="accent1"/>
-          </a:lnRef>
-          <a:fillRef idx="3">
-            <a:schemeClr val="accent1"/>
-          </a:fillRef>
-          <a:effectRef idx="2">
-            <a:schemeClr val="accent1"/>
-          </a:effectRef>
-          <a:fontRef idx="minor">
-            <a:schemeClr val="lt1"/>
-          </a:fontRef>
-        </p:style>
-        <p:txBody>
-          <a:bodyPr rtlCol="0" anchor="ctr"/>
-          <a:lstStyle/>
-          <a:p>
-            <a:pPr algn="ctr"/>
-            <a:endParaRPr lang="en-US" dirty="0"/>
-          </a:p>
-        </p:txBody>
-      </p:sp>
       <p:pic>
         <p:nvPicPr>
-          <p:cNvPr id="9" name="Picture 8"/>
+          <p:cNvPr id="15" name="Picture 14"/>
           <p:cNvPicPr>
             <a:picLocks noChangeAspect="1"/>
           </p:cNvPicPr>
@@ -4810,57 +4210,24 @@
         </p:blipFill>
         <p:spPr>
           <a:xfrm>
-            <a:off x="4468929" y="4149551"/>
-            <a:ext cx="690876" cy="690876"/>
+            <a:off x="7251700" y="1933545"/>
+            <a:ext cx="1435100" cy="1854200"/>
           </a:xfrm>
           <a:prstGeom prst="rect">
             <a:avLst/>
           </a:prstGeom>
         </p:spPr>
       </p:pic>
-      <p:cxnSp>
-        <p:nvCxnSpPr>
-          <p:cNvPr id="19" name="Straight Arrow Connector 18"/>
-          <p:cNvCxnSpPr/>
-          <p:nvPr/>
-        </p:nvCxnSpPr>
-        <p:spPr>
-          <a:xfrm>
-            <a:off x="3776219" y="3827514"/>
-            <a:ext cx="692710" cy="390744"/>
-          </a:xfrm>
-          <a:prstGeom prst="straightConnector1">
-            <a:avLst/>
-          </a:prstGeom>
-          <a:ln>
-            <a:tailEnd type="arrow"/>
-          </a:ln>
-        </p:spPr>
-        <p:style>
-          <a:lnRef idx="2">
-            <a:schemeClr val="accent1"/>
-          </a:lnRef>
-          <a:fillRef idx="0">
-            <a:schemeClr val="accent1"/>
-          </a:fillRef>
-          <a:effectRef idx="1">
-            <a:schemeClr val="accent1"/>
-          </a:effectRef>
-          <a:fontRef idx="minor">
-            <a:schemeClr val="tx1"/>
-          </a:fontRef>
-        </p:style>
-      </p:cxnSp>
-      <p:sp>
-        <p:nvSpPr>
-          <p:cNvPr id="23" name="TextBox 22"/>
+      <p:sp>
+        <p:nvSpPr>
+          <p:cNvPr id="16" name="TextBox 15"/>
           <p:cNvSpPr txBox="1"/>
           <p:nvPr/>
         </p:nvSpPr>
         <p:spPr>
           <a:xfrm>
-            <a:off x="1962679" y="4655761"/>
-            <a:ext cx="1059304" cy="369332"/>
+            <a:off x="5834754" y="1069316"/>
+            <a:ext cx="973644" cy="369332"/>
           </a:xfrm>
           <a:prstGeom prst="rect">
             <a:avLst/>
@@ -4875,192 +4242,7 @@
           <a:p>
             <a:r>
               <a:rPr lang="en-US" dirty="0" smtClean="0"/>
-              <a:t>Publisher</a:t>
-            </a:r>
-            <a:endParaRPr lang="en-US" dirty="0"/>
-          </a:p>
-        </p:txBody>
-      </p:sp>
-      <p:sp>
-        <p:nvSpPr>
-          <p:cNvPr id="27" name="Rectangle 26"/>
-          <p:cNvSpPr/>
-          <p:nvPr/>
-        </p:nvSpPr>
-        <p:spPr>
-          <a:xfrm>
-            <a:off x="1962679" y="5925645"/>
-            <a:ext cx="3435878" cy="672600"/>
-          </a:xfrm>
-          <a:prstGeom prst="rect">
-            <a:avLst/>
-          </a:prstGeom>
-          <a:noFill/>
-        </p:spPr>
-        <p:style>
-          <a:lnRef idx="1">
-            <a:schemeClr val="accent1"/>
-          </a:lnRef>
-          <a:fillRef idx="3">
-            <a:schemeClr val="accent1"/>
-          </a:fillRef>
-          <a:effectRef idx="2">
-            <a:schemeClr val="accent1"/>
-          </a:effectRef>
-          <a:fontRef idx="minor">
-            <a:schemeClr val="lt1"/>
-          </a:fontRef>
-        </p:style>
-        <p:txBody>
-          <a:bodyPr rtlCol="0" anchor="ctr"/>
-          <a:lstStyle/>
-          <a:p>
-            <a:pPr algn="ctr"/>
-            <a:endParaRPr lang="en-US" dirty="0"/>
-          </a:p>
-        </p:txBody>
-      </p:sp>
-      <p:sp>
-        <p:nvSpPr>
-          <p:cNvPr id="29" name="TextBox 28"/>
-          <p:cNvSpPr txBox="1"/>
-          <p:nvPr/>
-        </p:nvSpPr>
-        <p:spPr>
-          <a:xfrm>
-            <a:off x="1962679" y="5995899"/>
-            <a:ext cx="1142034" cy="369332"/>
-          </a:xfrm>
-          <a:prstGeom prst="rect">
-            <a:avLst/>
-          </a:prstGeom>
-          <a:noFill/>
-        </p:spPr>
-        <p:txBody>
-          <a:bodyPr wrap="none" rtlCol="0">
-            <a:spAutoFit/>
-          </a:bodyPr>
-          <a:lstStyle/>
-          <a:p>
-            <a:r>
-              <a:rPr lang="en-US" dirty="0" smtClean="0"/>
-              <a:t>Consumer</a:t>
-            </a:r>
-            <a:endParaRPr lang="en-US" dirty="0"/>
-          </a:p>
-        </p:txBody>
-      </p:sp>
-      <p:pic>
-        <p:nvPicPr>
-          <p:cNvPr id="30" name="Picture 29"/>
-          <p:cNvPicPr>
-            <a:picLocks noChangeAspect="1"/>
-          </p:cNvPicPr>
-          <p:nvPr/>
-        </p:nvPicPr>
-        <p:blipFill>
-          <a:blip r:embed="rId7"/>
-          <a:stretch>
-            <a:fillRect/>
-          </a:stretch>
-        </p:blipFill>
-        <p:spPr>
-          <a:xfrm>
-            <a:off x="6184687" y="5660558"/>
-            <a:ext cx="2076418" cy="779368"/>
-          </a:xfrm>
-          <a:prstGeom prst="rect">
-            <a:avLst/>
-          </a:prstGeom>
-        </p:spPr>
-      </p:pic>
-      <p:pic>
-        <p:nvPicPr>
-          <p:cNvPr id="31" name="Picture 30"/>
-          <p:cNvPicPr>
-            <a:picLocks noChangeAspect="1"/>
-          </p:cNvPicPr>
-          <p:nvPr/>
-        </p:nvPicPr>
-        <p:blipFill>
-          <a:blip r:embed="rId8"/>
-          <a:stretch>
-            <a:fillRect/>
-          </a:stretch>
-        </p:blipFill>
-        <p:spPr>
-          <a:xfrm>
-            <a:off x="6651795" y="4958152"/>
-            <a:ext cx="1459805" cy="618830"/>
-          </a:xfrm>
-          <a:prstGeom prst="rect">
-            <a:avLst/>
-          </a:prstGeom>
-        </p:spPr>
-      </p:pic>
-      <p:sp>
-        <p:nvSpPr>
-          <p:cNvPr id="32" name="Up-Down Arrow 31"/>
-          <p:cNvSpPr/>
-          <p:nvPr/>
-        </p:nvSpPr>
-        <p:spPr>
-          <a:xfrm>
-            <a:off x="3478746" y="5207649"/>
-            <a:ext cx="419238" cy="662390"/>
-          </a:xfrm>
-          <a:prstGeom prst="upDownArrow">
-            <a:avLst/>
-          </a:prstGeom>
-        </p:spPr>
-        <p:style>
-          <a:lnRef idx="1">
-            <a:schemeClr val="accent1"/>
-          </a:lnRef>
-          <a:fillRef idx="3">
-            <a:schemeClr val="accent1"/>
-          </a:fillRef>
-          <a:effectRef idx="2">
-            <a:schemeClr val="accent1"/>
-          </a:effectRef>
-          <a:fontRef idx="minor">
-            <a:schemeClr val="lt1"/>
-          </a:fontRef>
-        </p:style>
-        <p:txBody>
-          <a:bodyPr rtlCol="0" anchor="ctr"/>
-          <a:lstStyle/>
-          <a:p>
-            <a:pPr algn="ctr"/>
-            <a:endParaRPr lang="en-US" dirty="0"/>
-          </a:p>
-        </p:txBody>
-      </p:sp>
-      <p:sp>
-        <p:nvSpPr>
-          <p:cNvPr id="33" name="TextBox 32"/>
-          <p:cNvSpPr txBox="1"/>
-          <p:nvPr/>
-        </p:nvSpPr>
-        <p:spPr>
-          <a:xfrm>
-            <a:off x="2774165" y="5392316"/>
-            <a:ext cx="495636" cy="369332"/>
-          </a:xfrm>
-          <a:prstGeom prst="rect">
-            <a:avLst/>
-          </a:prstGeom>
-          <a:noFill/>
-        </p:spPr>
-        <p:txBody>
-          <a:bodyPr wrap="none" rtlCol="0">
-            <a:spAutoFit/>
-          </a:bodyPr>
-          <a:lstStyle/>
-          <a:p>
-            <a:r>
-              <a:rPr lang="en-US" dirty="0" smtClean="0"/>
-              <a:t>API</a:t>
+              <a:t>Scientist</a:t>
             </a:r>
             <a:endParaRPr lang="en-US" dirty="0"/>
           </a:p>
@@ -5068,14 +4250,14 @@
       </p:sp>
       <p:cxnSp>
         <p:nvCxnSpPr>
-          <p:cNvPr id="34" name="Straight Arrow Connector 33"/>
+          <p:cNvPr id="17" name="Straight Arrow Connector 16"/>
           <p:cNvCxnSpPr/>
           <p:nvPr/>
         </p:nvCxnSpPr>
         <p:spPr>
           <a:xfrm>
-            <a:off x="5488399" y="6244262"/>
-            <a:ext cx="577258" cy="0"/>
+            <a:off x="3776219" y="3420441"/>
+            <a:ext cx="692710" cy="0"/>
           </a:xfrm>
           <a:prstGeom prst="straightConnector1">
             <a:avLst/>
@@ -5101,184 +4283,14 @@
       </p:cxnSp>
       <p:cxnSp>
         <p:nvCxnSpPr>
-          <p:cNvPr id="36" name="Straight Arrow Connector 35"/>
+          <p:cNvPr id="18" name="Straight Arrow Connector 17"/>
           <p:cNvCxnSpPr/>
           <p:nvPr/>
         </p:nvCxnSpPr>
         <p:spPr>
-          <a:xfrm>
-            <a:off x="5488399" y="2089598"/>
-            <a:ext cx="577258" cy="0"/>
-          </a:xfrm>
-          <a:prstGeom prst="straightConnector1">
-            <a:avLst/>
-          </a:prstGeom>
-          <a:ln>
-            <a:tailEnd type="arrow"/>
-          </a:ln>
-        </p:spPr>
-        <p:style>
-          <a:lnRef idx="2">
-            <a:schemeClr val="accent1"/>
-          </a:lnRef>
-          <a:fillRef idx="0">
-            <a:schemeClr val="accent1"/>
-          </a:fillRef>
-          <a:effectRef idx="1">
-            <a:schemeClr val="accent1"/>
-          </a:effectRef>
-          <a:fontRef idx="minor">
-            <a:schemeClr val="tx1"/>
-          </a:fontRef>
-        </p:style>
-      </p:cxnSp>
-      <p:sp>
-        <p:nvSpPr>
-          <p:cNvPr id="39" name="TextBox 38"/>
-          <p:cNvSpPr txBox="1"/>
-          <p:nvPr/>
-        </p:nvSpPr>
-        <p:spPr>
-          <a:xfrm>
-            <a:off x="6651795" y="6488668"/>
-            <a:ext cx="1120820" cy="369332"/>
-          </a:xfrm>
-          <a:prstGeom prst="rect">
-            <a:avLst/>
-          </a:prstGeom>
-          <a:noFill/>
-        </p:spPr>
-        <p:txBody>
-          <a:bodyPr wrap="none" rtlCol="0">
-            <a:spAutoFit/>
-          </a:bodyPr>
-          <a:lstStyle/>
-          <a:p>
-            <a:r>
-              <a:rPr lang="en-US" dirty="0" smtClean="0"/>
-              <a:t>End Users</a:t>
-            </a:r>
-            <a:endParaRPr lang="en-US" dirty="0"/>
-          </a:p>
-        </p:txBody>
-      </p:sp>
-      <p:pic>
-        <p:nvPicPr>
-          <p:cNvPr id="40" name="Picture 39"/>
-          <p:cNvPicPr>
-            <a:picLocks noChangeAspect="1"/>
-          </p:cNvPicPr>
-          <p:nvPr/>
-        </p:nvPicPr>
-        <p:blipFill>
-          <a:blip r:embed="rId9"/>
-          <a:stretch>
-            <a:fillRect/>
-          </a:stretch>
-        </p:blipFill>
-        <p:spPr>
-          <a:xfrm>
-            <a:off x="6184687" y="4367719"/>
-            <a:ext cx="2462746" cy="396507"/>
-          </a:xfrm>
-          <a:prstGeom prst="rect">
-            <a:avLst/>
-          </a:prstGeom>
-        </p:spPr>
-      </p:pic>
-      <p:sp>
-        <p:nvSpPr>
-          <p:cNvPr id="3" name="Rectangle 2"/>
-          <p:cNvSpPr/>
-          <p:nvPr/>
-        </p:nvSpPr>
-        <p:spPr>
-          <a:xfrm>
-            <a:off x="275502" y="1253982"/>
-            <a:ext cx="1499441" cy="646331"/>
-          </a:xfrm>
-          <a:prstGeom prst="rect">
-            <a:avLst/>
-          </a:prstGeom>
-        </p:spPr>
-        <p:txBody>
-          <a:bodyPr wrap="none">
-            <a:spAutoFit/>
-          </a:bodyPr>
-          <a:lstStyle/>
-          <a:p>
-            <a:r>
-              <a:rPr lang="en-US" dirty="0"/>
-              <a:t>Radarsat-</a:t>
-            </a:r>
-            <a:r>
-              <a:rPr lang="en-US" dirty="0" smtClean="0"/>
-              <a:t>2</a:t>
-            </a:r>
-          </a:p>
-          <a:p>
-            <a:r>
-              <a:rPr lang="en-US" dirty="0" smtClean="0"/>
-              <a:t>CSA/MDA FTP</a:t>
-            </a:r>
-            <a:endParaRPr lang="en-US" dirty="0"/>
-          </a:p>
-        </p:txBody>
-      </p:sp>
-      <p:sp>
-        <p:nvSpPr>
-          <p:cNvPr id="10" name="Folded Corner 9"/>
-          <p:cNvSpPr/>
-          <p:nvPr/>
-        </p:nvSpPr>
-        <p:spPr>
-          <a:xfrm>
-            <a:off x="2172459" y="1438648"/>
-            <a:ext cx="390760" cy="488430"/>
-          </a:xfrm>
-          <a:prstGeom prst="foldedCorner">
-            <a:avLst/>
-          </a:prstGeom>
-        </p:spPr>
-        <p:style>
-          <a:lnRef idx="1">
-            <a:schemeClr val="accent1"/>
-          </a:lnRef>
-          <a:fillRef idx="3">
-            <a:schemeClr val="accent1"/>
-          </a:fillRef>
-          <a:effectRef idx="2">
-            <a:schemeClr val="accent1"/>
-          </a:effectRef>
-          <a:fontRef idx="minor">
-            <a:schemeClr val="lt1"/>
-          </a:fontRef>
-        </p:style>
-        <p:txBody>
-          <a:bodyPr rtlCol="0" anchor="ctr"/>
-          <a:lstStyle/>
-          <a:p>
-            <a:pPr algn="ctr"/>
-            <a:r>
-              <a:rPr lang="en-US" sz="1050" dirty="0" smtClean="0"/>
-              <a:t>SGF</a:t>
-            </a:r>
-            <a:endParaRPr lang="en-US" sz="1050" dirty="0"/>
-          </a:p>
-        </p:txBody>
-      </p:sp>
-      <p:cxnSp>
-        <p:nvCxnSpPr>
-          <p:cNvPr id="15" name="Straight Arrow Connector 14"/>
-          <p:cNvCxnSpPr>
-            <a:endCxn id="10" idx="1"/>
-          </p:cNvCxnSpPr>
-          <p:nvPr/>
-        </p:nvCxnSpPr>
-        <p:spPr>
-          <a:xfrm>
-            <a:off x="1699012" y="1682863"/>
-            <a:ext cx="473447" cy="0"/>
+          <a:xfrm flipV="1">
+            <a:off x="5092140" y="2655284"/>
+            <a:ext cx="564995" cy="674920"/>
           </a:xfrm>
           <a:prstGeom prst="straightConnector1">
             <a:avLst/>
@@ -5304,21 +4316,20 @@
       </p:cxnSp>
       <p:cxnSp>
         <p:nvCxnSpPr>
-          <p:cNvPr id="22" name="Straight Arrow Connector 21"/>
-          <p:cNvCxnSpPr>
-            <a:stCxn id="10" idx="2"/>
-          </p:cNvCxnSpPr>
+          <p:cNvPr id="21" name="Straight Arrow Connector 20"/>
+          <p:cNvCxnSpPr/>
           <p:nvPr/>
         </p:nvCxnSpPr>
         <p:spPr>
           <a:xfrm>
-            <a:off x="2367839" y="1927078"/>
-            <a:ext cx="195380" cy="449536"/>
+            <a:off x="6184687" y="2376614"/>
+            <a:ext cx="848988" cy="358594"/>
           </a:xfrm>
           <a:prstGeom prst="straightConnector1">
             <a:avLst/>
           </a:prstGeom>
           <a:ln>
+            <a:headEnd type="arrow"/>
             <a:tailEnd type="arrow"/>
           </a:ln>
         </p:spPr>
@@ -5337,24 +4348,114 @@
           </a:fontRef>
         </p:style>
       </p:cxnSp>
+      <p:sp>
+        <p:nvSpPr>
+          <p:cNvPr id="26" name="TextBox 25"/>
+          <p:cNvSpPr txBox="1"/>
+          <p:nvPr/>
+        </p:nvSpPr>
+        <p:spPr>
+          <a:xfrm>
+            <a:off x="2023472" y="3880798"/>
+            <a:ext cx="2151926" cy="369332"/>
+          </a:xfrm>
+          <a:prstGeom prst="rect">
+            <a:avLst/>
+          </a:prstGeom>
+          <a:noFill/>
+        </p:spPr>
+        <p:txBody>
+          <a:bodyPr wrap="none" rtlCol="0">
+            <a:spAutoFit/>
+          </a:bodyPr>
+          <a:lstStyle/>
+          <a:p>
+            <a:r>
+              <a:rPr lang="en-US" dirty="0" smtClean="0"/>
+              <a:t>AWS Virtual Instance</a:t>
+            </a:r>
+            <a:endParaRPr lang="en-US" dirty="0"/>
+          </a:p>
+        </p:txBody>
+      </p:sp>
+      <p:sp>
+        <p:nvSpPr>
+          <p:cNvPr id="27" name="TextBox 26"/>
+          <p:cNvSpPr txBox="1"/>
+          <p:nvPr/>
+        </p:nvSpPr>
+        <p:spPr>
+          <a:xfrm>
+            <a:off x="4572000" y="3891504"/>
+            <a:ext cx="1189824" cy="369332"/>
+          </a:xfrm>
+          <a:prstGeom prst="rect">
+            <a:avLst/>
+          </a:prstGeom>
+          <a:noFill/>
+        </p:spPr>
+        <p:txBody>
+          <a:bodyPr wrap="none" rtlCol="0">
+            <a:spAutoFit/>
+          </a:bodyPr>
+          <a:lstStyle/>
+          <a:p>
+            <a:r>
+              <a:rPr lang="en-US" dirty="0" smtClean="0"/>
+              <a:t>Flood Map</a:t>
+            </a:r>
+            <a:endParaRPr lang="en-US" dirty="0"/>
+          </a:p>
+        </p:txBody>
+      </p:sp>
+      <p:sp>
+        <p:nvSpPr>
+          <p:cNvPr id="3" name="TextBox 2"/>
+          <p:cNvSpPr txBox="1"/>
+          <p:nvPr/>
+        </p:nvSpPr>
+        <p:spPr>
+          <a:xfrm>
+            <a:off x="3496442" y="1069316"/>
+            <a:ext cx="1056700" cy="369332"/>
+          </a:xfrm>
+          <a:prstGeom prst="rect">
+            <a:avLst/>
+          </a:prstGeom>
+          <a:noFill/>
+        </p:spPr>
+        <p:txBody>
+          <a:bodyPr wrap="none" rtlCol="0">
+            <a:spAutoFit/>
+          </a:bodyPr>
+          <a:lstStyle/>
+          <a:p>
+            <a:r>
+              <a:rPr lang="en-US" dirty="0" smtClean="0"/>
+              <a:t>AWS RDS</a:t>
+            </a:r>
+            <a:endParaRPr lang="en-US" dirty="0"/>
+          </a:p>
+        </p:txBody>
+      </p:sp>
       <p:pic>
         <p:nvPicPr>
-          <p:cNvPr id="25" name="Picture 24"/>
+          <p:cNvPr id="5" name="Picture 4"/>
           <p:cNvPicPr>
             <a:picLocks noChangeAspect="1"/>
           </p:cNvPicPr>
           <p:nvPr/>
         </p:nvPicPr>
         <p:blipFill>
-          <a:blip r:embed="rId10"/>
+          <a:blip r:embed="rId7"/>
           <a:stretch>
             <a:fillRect/>
           </a:stretch>
         </p:blipFill>
         <p:spPr>
           <a:xfrm>
-            <a:off x="500572" y="2278916"/>
-            <a:ext cx="997253" cy="872596"/>
+            <a:off x="1334477" y="1186716"/>
+            <a:ext cx="652504" cy="652504"/>
           </a:xfrm>
           <a:prstGeom prst="rect">
             <a:avLst/>
@@ -5363,77 +4464,52 @@
       </p:pic>
       <p:sp>
         <p:nvSpPr>
-          <p:cNvPr id="28" name="Rectangle 27"/>
+          <p:cNvPr id="9" name="Rectangle 8"/>
           <p:cNvSpPr/>
           <p:nvPr/>
         </p:nvSpPr>
         <p:spPr>
           <a:xfrm>
-            <a:off x="0" y="2828346"/>
-            <a:ext cx="1261937" cy="646331"/>
-          </a:xfrm>
-          <a:prstGeom prst="rect">
-            <a:avLst/>
-          </a:prstGeom>
-        </p:spPr>
-        <p:txBody>
-          <a:bodyPr wrap="square">
+            <a:off x="1137043" y="756672"/>
+            <a:ext cx="904890" cy="369332"/>
+          </a:xfrm>
+          <a:prstGeom prst="rect">
+            <a:avLst/>
+          </a:prstGeom>
+        </p:spPr>
+        <p:txBody>
+          <a:bodyPr wrap="none">
             <a:spAutoFit/>
           </a:bodyPr>
           <a:lstStyle/>
           <a:p>
             <a:r>
               <a:rPr lang="en-US" dirty="0"/>
-              <a:t>EO-1</a:t>
-            </a:r>
-          </a:p>
-          <a:p>
-            <a:r>
-              <a:rPr lang="en-US" dirty="0"/>
-              <a:t>Landsat-8</a:t>
-            </a:r>
-          </a:p>
-        </p:txBody>
-      </p:sp>
-      <p:pic>
-        <p:nvPicPr>
-          <p:cNvPr id="35" name="Picture 34"/>
-          <p:cNvPicPr>
-            <a:picLocks noChangeAspect="1"/>
-          </p:cNvPicPr>
-          <p:nvPr/>
-        </p:nvPicPr>
-        <p:blipFill rotWithShape="1">
-          <a:blip r:embed="rId11"/>
-          <a:srcRect l="-11007" r="57981"/>
-          <a:stretch/>
-        </p:blipFill>
-        <p:spPr>
-          <a:xfrm>
-            <a:off x="275502" y="4013032"/>
-            <a:ext cx="1261937" cy="1012061"/>
-          </a:xfrm>
-          <a:prstGeom prst="rect">
-            <a:avLst/>
-          </a:prstGeom>
-        </p:spPr>
-      </p:pic>
+              <a:t>AWS </a:t>
+            </a:r>
+            <a:r>
+              <a:rPr lang="en-US" dirty="0" smtClean="0"/>
+              <a:t>S3</a:t>
+            </a:r>
+            <a:endParaRPr lang="en-US" dirty="0"/>
+          </a:p>
+        </p:txBody>
+      </p:sp>
       <p:cxnSp>
         <p:nvCxnSpPr>
-          <p:cNvPr id="41" name="Straight Arrow Connector 40"/>
+          <p:cNvPr id="22" name="Straight Arrow Connector 21"/>
           <p:cNvCxnSpPr/>
           <p:nvPr/>
         </p:nvCxnSpPr>
         <p:spPr>
           <a:xfrm>
-            <a:off x="1571920" y="4655761"/>
-            <a:ext cx="390759" cy="0"/>
+            <a:off x="1660729" y="2522074"/>
+            <a:ext cx="692710" cy="0"/>
           </a:xfrm>
           <a:prstGeom prst="straightConnector1">
             <a:avLst/>
           </a:prstGeom>
           <a:ln>
-            <a:headEnd type="arrow"/>
             <a:tailEnd type="arrow"/>
           </a:ln>
         </p:spPr>
@@ -5452,40 +4528,40 @@
           </a:fontRef>
         </p:style>
       </p:cxnSp>
-      <p:sp>
-        <p:nvSpPr>
-          <p:cNvPr id="37" name="TextBox 36"/>
-          <p:cNvSpPr txBox="1"/>
-          <p:nvPr/>
-        </p:nvSpPr>
-        <p:spPr>
-          <a:xfrm>
-            <a:off x="132365" y="3722404"/>
-            <a:ext cx="1595309" cy="369332"/>
-          </a:xfrm>
-          <a:prstGeom prst="rect">
-            <a:avLst/>
-          </a:prstGeom>
-          <a:noFill/>
-        </p:spPr>
-        <p:txBody>
-          <a:bodyPr wrap="none" rtlCol="0">
-            <a:spAutoFit/>
-          </a:bodyPr>
-          <a:lstStyle/>
-          <a:p>
-            <a:r>
-              <a:rPr lang="en-US" dirty="0" smtClean="0"/>
-              <a:t>NASA OAS NRT</a:t>
-            </a:r>
-            <a:endParaRPr lang="en-US" dirty="0"/>
-          </a:p>
-        </p:txBody>
-      </p:sp>
+      <p:cxnSp>
+        <p:nvCxnSpPr>
+          <p:cNvPr id="19" name="Straight Connector 18"/>
+          <p:cNvCxnSpPr/>
+          <p:nvPr/>
+        </p:nvCxnSpPr>
+        <p:spPr>
+          <a:xfrm flipV="1">
+            <a:off x="1660729" y="1933545"/>
+            <a:ext cx="0" cy="588529"/>
+          </a:xfrm>
+          <a:prstGeom prst="line">
+            <a:avLst/>
+          </a:prstGeom>
+        </p:spPr>
+        <p:style>
+          <a:lnRef idx="2">
+            <a:schemeClr val="accent1"/>
+          </a:lnRef>
+          <a:fillRef idx="0">
+            <a:schemeClr val="accent1"/>
+          </a:fillRef>
+          <a:effectRef idx="1">
+            <a:schemeClr val="accent1"/>
+          </a:effectRef>
+          <a:fontRef idx="minor">
+            <a:schemeClr val="tx1"/>
+          </a:fontRef>
+        </p:style>
+      </p:cxnSp>
     </p:spTree>
     <p:extLst>
       <p:ext uri="{BB962C8B-B14F-4D97-AF65-F5344CB8AC3E}">
-        <p14:creationId xmlns:p14="http://schemas.microsoft.com/office/powerpoint/2010/main" val="3483513293"/>
+        <p14:creationId xmlns:p14="http://schemas.microsoft.com/office/powerpoint/2010/main" val="1135388756"/>
       </p:ext>
     </p:extLst>
   </p:cSld>
@@ -5536,7 +4612,7 @@
           <a:p>
             <a:r>
               <a:rPr lang="en-US" dirty="0" smtClean="0"/>
-              <a:t>And Later…</a:t>
+              <a:t>Goal Later…</a:t>
             </a:r>
             <a:endParaRPr lang="en-US" dirty="0"/>
           </a:p>
@@ -5605,7 +4681,7 @@
         </p:blipFill>
         <p:spPr>
           <a:xfrm>
-            <a:off x="2717800" y="1186716"/>
+            <a:off x="3018380" y="1186716"/>
             <a:ext cx="1854200" cy="1092200"/>
           </a:xfrm>
           <a:prstGeom prst="rect">
@@ -5613,6 +4689,78 @@
           </a:prstGeom>
         </p:spPr>
       </p:pic>
+      <p:sp>
+        <p:nvSpPr>
+          <p:cNvPr id="8" name="TextBox 7"/>
+          <p:cNvSpPr txBox="1"/>
+          <p:nvPr/>
+        </p:nvSpPr>
+        <p:spPr>
+          <a:xfrm>
+            <a:off x="553206" y="5007579"/>
+            <a:ext cx="841096" cy="369332"/>
+          </a:xfrm>
+          <a:prstGeom prst="rect">
+            <a:avLst/>
+          </a:prstGeom>
+          <a:noFill/>
+        </p:spPr>
+        <p:txBody>
+          <a:bodyPr wrap="none" rtlCol="0">
+            <a:spAutoFit/>
+          </a:bodyPr>
+          <a:lstStyle/>
+          <a:p>
+            <a:r>
+              <a:rPr lang="en-US" dirty="0" smtClean="0">
+                <a:solidFill>
+                  <a:srgbClr val="000000"/>
+                </a:solidFill>
+              </a:rPr>
+              <a:t>MODIS</a:t>
+            </a:r>
+            <a:endParaRPr lang="en-US" dirty="0">
+              <a:solidFill>
+                <a:srgbClr val="000000"/>
+              </a:solidFill>
+            </a:endParaRPr>
+          </a:p>
+        </p:txBody>
+      </p:sp>
+      <p:cxnSp>
+        <p:nvCxnSpPr>
+          <p:cNvPr id="11" name="Straight Arrow Connector 10"/>
+          <p:cNvCxnSpPr/>
+          <p:nvPr/>
+        </p:nvCxnSpPr>
+        <p:spPr>
+          <a:xfrm>
+            <a:off x="1571920" y="2735208"/>
+            <a:ext cx="390759" cy="0"/>
+          </a:xfrm>
+          <a:prstGeom prst="straightConnector1">
+            <a:avLst/>
+          </a:prstGeom>
+          <a:ln>
+            <a:headEnd type="arrow"/>
+            <a:tailEnd type="arrow"/>
+          </a:ln>
+        </p:spPr>
+        <p:style>
+          <a:lnRef idx="2">
+            <a:schemeClr val="accent1"/>
+          </a:lnRef>
+          <a:fillRef idx="0">
+            <a:schemeClr val="accent1"/>
+          </a:fillRef>
+          <a:effectRef idx="1">
+            <a:schemeClr val="accent1"/>
+          </a:effectRef>
+          <a:fontRef idx="minor">
+            <a:schemeClr val="tx1"/>
+          </a:fontRef>
+        </p:style>
+      </p:cxnSp>
       <p:pic>
         <p:nvPicPr>
           <p:cNvPr id="13" name="Picture 12"/>
@@ -5637,111 +4785,9 @@
           </a:prstGeom>
         </p:spPr>
       </p:pic>
-      <p:sp>
-        <p:nvSpPr>
-          <p:cNvPr id="16" name="TextBox 15"/>
-          <p:cNvSpPr txBox="1"/>
-          <p:nvPr/>
-        </p:nvSpPr>
-        <p:spPr>
-          <a:xfrm>
-            <a:off x="6065657" y="3641384"/>
-            <a:ext cx="2498626" cy="369332"/>
-          </a:xfrm>
-          <a:prstGeom prst="rect">
-            <a:avLst/>
-          </a:prstGeom>
-          <a:noFill/>
-        </p:spPr>
-        <p:txBody>
-          <a:bodyPr wrap="none" rtlCol="0">
-            <a:spAutoFit/>
-          </a:bodyPr>
-          <a:lstStyle/>
-          <a:p>
-            <a:r>
-              <a:rPr lang="en-US" dirty="0" smtClean="0"/>
-              <a:t>Regional Flood Database</a:t>
-            </a:r>
-            <a:endParaRPr lang="en-US" dirty="0"/>
-          </a:p>
-        </p:txBody>
-      </p:sp>
-      <p:cxnSp>
-        <p:nvCxnSpPr>
-          <p:cNvPr id="17" name="Straight Arrow Connector 16"/>
-          <p:cNvCxnSpPr/>
-          <p:nvPr/>
-        </p:nvCxnSpPr>
-        <p:spPr>
-          <a:xfrm>
-            <a:off x="3776219" y="3420441"/>
-            <a:ext cx="692710" cy="0"/>
-          </a:xfrm>
-          <a:prstGeom prst="straightConnector1">
-            <a:avLst/>
-          </a:prstGeom>
-          <a:ln>
-            <a:tailEnd type="arrow"/>
-          </a:ln>
-        </p:spPr>
-        <p:style>
-          <a:lnRef idx="2">
-            <a:schemeClr val="accent1"/>
-          </a:lnRef>
-          <a:fillRef idx="0">
-            <a:schemeClr val="accent1"/>
-          </a:fillRef>
-          <a:effectRef idx="1">
-            <a:schemeClr val="accent1"/>
-          </a:effectRef>
-          <a:fontRef idx="minor">
-            <a:schemeClr val="tx1"/>
-          </a:fontRef>
-        </p:style>
-      </p:cxnSp>
-      <p:sp>
-        <p:nvSpPr>
-          <p:cNvPr id="5" name="Rectangle 4"/>
-          <p:cNvSpPr/>
-          <p:nvPr/>
-        </p:nvSpPr>
-        <p:spPr>
-          <a:xfrm>
-            <a:off x="1811704" y="1069316"/>
-            <a:ext cx="3586853" cy="4138333"/>
-          </a:xfrm>
-          <a:prstGeom prst="rect">
-            <a:avLst/>
-          </a:prstGeom>
-          <a:noFill/>
-        </p:spPr>
-        <p:style>
-          <a:lnRef idx="1">
-            <a:schemeClr val="accent1"/>
-          </a:lnRef>
-          <a:fillRef idx="3">
-            <a:schemeClr val="accent1"/>
-          </a:fillRef>
-          <a:effectRef idx="2">
-            <a:schemeClr val="accent1"/>
-          </a:effectRef>
-          <a:fontRef idx="minor">
-            <a:schemeClr val="lt1"/>
-          </a:fontRef>
-        </p:style>
-        <p:txBody>
-          <a:bodyPr rtlCol="0" anchor="ctr"/>
-          <a:lstStyle/>
-          <a:p>
-            <a:pPr algn="ctr"/>
-            <a:endParaRPr lang="en-US" dirty="0"/>
-          </a:p>
-        </p:txBody>
-      </p:sp>
       <p:pic>
         <p:nvPicPr>
-          <p:cNvPr id="9" name="Picture 8"/>
+          <p:cNvPr id="14" name="Picture 13"/>
           <p:cNvPicPr>
             <a:picLocks noChangeAspect="1"/>
           </p:cNvPicPr>
@@ -5755,24 +4801,54 @@
         </p:blipFill>
         <p:spPr>
           <a:xfrm>
-            <a:off x="4468929" y="4149551"/>
-            <a:ext cx="690876" cy="690876"/>
+            <a:off x="5981442" y="1438648"/>
+            <a:ext cx="786130" cy="1092307"/>
           </a:xfrm>
           <a:prstGeom prst="rect">
             <a:avLst/>
           </a:prstGeom>
         </p:spPr>
       </p:pic>
+      <p:sp>
+        <p:nvSpPr>
+          <p:cNvPr id="16" name="TextBox 15"/>
+          <p:cNvSpPr txBox="1"/>
+          <p:nvPr/>
+        </p:nvSpPr>
+        <p:spPr>
+          <a:xfrm>
+            <a:off x="5834754" y="1069316"/>
+            <a:ext cx="973644" cy="369332"/>
+          </a:xfrm>
+          <a:prstGeom prst="rect">
+            <a:avLst/>
+          </a:prstGeom>
+          <a:noFill/>
+        </p:spPr>
+        <p:txBody>
+          <a:bodyPr wrap="none" rtlCol="0">
+            <a:spAutoFit/>
+          </a:bodyPr>
+          <a:lstStyle/>
+          <a:p>
+            <a:r>
+              <a:rPr lang="en-US" dirty="0" smtClean="0"/>
+              <a:t>Scientist</a:t>
+            </a:r>
+            <a:endParaRPr lang="en-US" dirty="0"/>
+          </a:p>
+        </p:txBody>
+      </p:sp>
       <p:cxnSp>
         <p:nvCxnSpPr>
-          <p:cNvPr id="19" name="Straight Arrow Connector 18"/>
+          <p:cNvPr id="17" name="Straight Arrow Connector 16"/>
           <p:cNvCxnSpPr/>
           <p:nvPr/>
         </p:nvCxnSpPr>
         <p:spPr>
           <a:xfrm>
-            <a:off x="3776219" y="3827514"/>
-            <a:ext cx="692710" cy="390744"/>
+            <a:off x="3776219" y="3420441"/>
+            <a:ext cx="692710" cy="0"/>
           </a:xfrm>
           <a:prstGeom prst="straightConnector1">
             <a:avLst/>
@@ -5798,37 +4874,46 @@
       </p:cxnSp>
       <p:sp>
         <p:nvSpPr>
-          <p:cNvPr id="23" name="TextBox 22"/>
-          <p:cNvSpPr txBox="1"/>
-          <p:nvPr/>
-        </p:nvSpPr>
-        <p:spPr>
-          <a:xfrm>
-            <a:off x="1962679" y="4655761"/>
-            <a:ext cx="1059304" cy="369332"/>
+          <p:cNvPr id="5" name="Rectangle 4"/>
+          <p:cNvSpPr/>
+          <p:nvPr/>
+        </p:nvSpPr>
+        <p:spPr>
+          <a:xfrm>
+            <a:off x="1962679" y="1069316"/>
+            <a:ext cx="3435878" cy="4138333"/>
           </a:xfrm>
           <a:prstGeom prst="rect">
             <a:avLst/>
           </a:prstGeom>
           <a:noFill/>
         </p:spPr>
-        <p:txBody>
-          <a:bodyPr wrap="none" rtlCol="0">
-            <a:spAutoFit/>
-          </a:bodyPr>
-          <a:lstStyle/>
-          <a:p>
-            <a:r>
-              <a:rPr lang="en-US" dirty="0" smtClean="0"/>
-              <a:t>Publisher</a:t>
-            </a:r>
+        <p:style>
+          <a:lnRef idx="1">
+            <a:schemeClr val="accent1"/>
+          </a:lnRef>
+          <a:fillRef idx="3">
+            <a:schemeClr val="accent1"/>
+          </a:fillRef>
+          <a:effectRef idx="2">
+            <a:schemeClr val="accent1"/>
+          </a:effectRef>
+          <a:fontRef idx="minor">
+            <a:schemeClr val="lt1"/>
+          </a:fontRef>
+        </p:style>
+        <p:txBody>
+          <a:bodyPr rtlCol="0" anchor="ctr"/>
+          <a:lstStyle/>
+          <a:p>
+            <a:pPr algn="ctr"/>
             <a:endParaRPr lang="en-US" dirty="0"/>
           </a:p>
         </p:txBody>
       </p:sp>
       <p:pic>
         <p:nvPicPr>
-          <p:cNvPr id="3" name="Picture 2"/>
+          <p:cNvPr id="9" name="Picture 8"/>
           <p:cNvPicPr>
             <a:picLocks noChangeAspect="1"/>
           </p:cNvPicPr>
@@ -5842,41 +4927,155 @@
         </p:blipFill>
         <p:spPr>
           <a:xfrm>
-            <a:off x="6065657" y="4149551"/>
-            <a:ext cx="718446" cy="681413"/>
+            <a:off x="4468929" y="4149551"/>
+            <a:ext cx="690876" cy="690876"/>
           </a:xfrm>
           <a:prstGeom prst="rect">
             <a:avLst/>
           </a:prstGeom>
         </p:spPr>
       </p:pic>
+      <p:cxnSp>
+        <p:nvCxnSpPr>
+          <p:cNvPr id="19" name="Straight Arrow Connector 18"/>
+          <p:cNvCxnSpPr/>
+          <p:nvPr/>
+        </p:nvCxnSpPr>
+        <p:spPr>
+          <a:xfrm>
+            <a:off x="3776219" y="3827514"/>
+            <a:ext cx="692710" cy="390744"/>
+          </a:xfrm>
+          <a:prstGeom prst="straightConnector1">
+            <a:avLst/>
+          </a:prstGeom>
+          <a:ln>
+            <a:tailEnd type="arrow"/>
+          </a:ln>
+        </p:spPr>
+        <p:style>
+          <a:lnRef idx="2">
+            <a:schemeClr val="accent1"/>
+          </a:lnRef>
+          <a:fillRef idx="0">
+            <a:schemeClr val="accent1"/>
+          </a:fillRef>
+          <a:effectRef idx="1">
+            <a:schemeClr val="accent1"/>
+          </a:effectRef>
+          <a:fontRef idx="minor">
+            <a:schemeClr val="tx1"/>
+          </a:fontRef>
+        </p:style>
+      </p:cxnSp>
+      <p:sp>
+        <p:nvSpPr>
+          <p:cNvPr id="23" name="TextBox 22"/>
+          <p:cNvSpPr txBox="1"/>
+          <p:nvPr/>
+        </p:nvSpPr>
+        <p:spPr>
+          <a:xfrm>
+            <a:off x="1962679" y="4655761"/>
+            <a:ext cx="1059304" cy="369332"/>
+          </a:xfrm>
+          <a:prstGeom prst="rect">
+            <a:avLst/>
+          </a:prstGeom>
+          <a:noFill/>
+        </p:spPr>
+        <p:txBody>
+          <a:bodyPr wrap="none" rtlCol="0">
+            <a:spAutoFit/>
+          </a:bodyPr>
+          <a:lstStyle/>
+          <a:p>
+            <a:r>
+              <a:rPr lang="en-US" dirty="0" smtClean="0"/>
+              <a:t>Publisher</a:t>
+            </a:r>
+            <a:endParaRPr lang="en-US" dirty="0"/>
+          </a:p>
+        </p:txBody>
+      </p:sp>
+      <p:sp>
+        <p:nvSpPr>
+          <p:cNvPr id="27" name="Rectangle 26"/>
+          <p:cNvSpPr/>
+          <p:nvPr/>
+        </p:nvSpPr>
+        <p:spPr>
+          <a:xfrm>
+            <a:off x="1962679" y="5925645"/>
+            <a:ext cx="3435878" cy="672600"/>
+          </a:xfrm>
+          <a:prstGeom prst="rect">
+            <a:avLst/>
+          </a:prstGeom>
+          <a:noFill/>
+        </p:spPr>
+        <p:style>
+          <a:lnRef idx="1">
+            <a:schemeClr val="accent1"/>
+          </a:lnRef>
+          <a:fillRef idx="3">
+            <a:schemeClr val="accent1"/>
+          </a:fillRef>
+          <a:effectRef idx="2">
+            <a:schemeClr val="accent1"/>
+          </a:effectRef>
+          <a:fontRef idx="minor">
+            <a:schemeClr val="lt1"/>
+          </a:fontRef>
+        </p:style>
+        <p:txBody>
+          <a:bodyPr rtlCol="0" anchor="ctr"/>
+          <a:lstStyle/>
+          <a:p>
+            <a:pPr algn="ctr"/>
+            <a:endParaRPr lang="en-US" dirty="0"/>
+          </a:p>
+        </p:txBody>
+      </p:sp>
+      <p:sp>
+        <p:nvSpPr>
+          <p:cNvPr id="29" name="TextBox 28"/>
+          <p:cNvSpPr txBox="1"/>
+          <p:nvPr/>
+        </p:nvSpPr>
+        <p:spPr>
+          <a:xfrm>
+            <a:off x="2102102" y="5925566"/>
+            <a:ext cx="1142034" cy="553998"/>
+          </a:xfrm>
+          <a:prstGeom prst="rect">
+            <a:avLst/>
+          </a:prstGeom>
+          <a:noFill/>
+        </p:spPr>
+        <p:txBody>
+          <a:bodyPr wrap="none" rtlCol="0">
+            <a:spAutoFit/>
+          </a:bodyPr>
+          <a:lstStyle/>
+          <a:p>
+            <a:r>
+              <a:rPr lang="en-US" dirty="0" smtClean="0"/>
+              <a:t>Consumer</a:t>
+            </a:r>
+          </a:p>
+          <a:p>
+            <a:r>
+              <a:rPr lang="en-US" sz="1100" dirty="0" smtClean="0"/>
+              <a:t>(Dashboard)</a:t>
+            </a:r>
+            <a:endParaRPr lang="en-US" sz="1100" dirty="0"/>
+          </a:p>
+        </p:txBody>
+      </p:sp>
       <p:pic>
         <p:nvPicPr>
-          <p:cNvPr id="28" name="Picture 27"/>
-          <p:cNvPicPr>
-            <a:picLocks noChangeAspect="1"/>
-          </p:cNvPicPr>
-          <p:nvPr/>
-        </p:nvPicPr>
-        <p:blipFill>
-          <a:blip r:embed="rId6"/>
-          <a:stretch>
-            <a:fillRect/>
-          </a:stretch>
-        </p:blipFill>
-        <p:spPr>
-          <a:xfrm>
-            <a:off x="6089952" y="5674937"/>
-            <a:ext cx="718446" cy="681413"/>
-          </a:xfrm>
-          <a:prstGeom prst="rect">
-            <a:avLst/>
-          </a:prstGeom>
-        </p:spPr>
-      </p:pic>
-      <p:pic>
-        <p:nvPicPr>
-          <p:cNvPr id="10" name="Picture 9"/>
+          <p:cNvPr id="30" name="Picture 29"/>
           <p:cNvPicPr>
             <a:picLocks noChangeAspect="1"/>
           </p:cNvPicPr>
@@ -5890,54 +5089,48 @@
         </p:blipFill>
         <p:spPr>
           <a:xfrm>
-            <a:off x="3688365" y="5377201"/>
-            <a:ext cx="1738765" cy="1244467"/>
+            <a:off x="6184687" y="5660558"/>
+            <a:ext cx="2076418" cy="779368"/>
           </a:xfrm>
           <a:prstGeom prst="rect">
             <a:avLst/>
           </a:prstGeom>
         </p:spPr>
       </p:pic>
-      <p:sp>
-        <p:nvSpPr>
-          <p:cNvPr id="12" name="TextBox 11"/>
-          <p:cNvSpPr txBox="1"/>
-          <p:nvPr/>
-        </p:nvSpPr>
-        <p:spPr>
-          <a:xfrm>
-            <a:off x="1180384" y="6252336"/>
-            <a:ext cx="2507981" cy="369332"/>
-          </a:xfrm>
-          <a:prstGeom prst="rect">
-            <a:avLst/>
-          </a:prstGeom>
-          <a:noFill/>
-        </p:spPr>
-        <p:txBody>
-          <a:bodyPr wrap="none" rtlCol="0">
-            <a:spAutoFit/>
-          </a:bodyPr>
-          <a:lstStyle/>
-          <a:p>
-            <a:r>
-              <a:rPr lang="en-US" dirty="0" smtClean="0"/>
-              <a:t>Global Flood Partnership</a:t>
-            </a:r>
-            <a:endParaRPr lang="en-US" dirty="0"/>
-          </a:p>
-        </p:txBody>
-      </p:sp>
-      <p:sp>
-        <p:nvSpPr>
-          <p:cNvPr id="15" name="Up-Down Arrow 14"/>
+      <p:pic>
+        <p:nvPicPr>
+          <p:cNvPr id="31" name="Picture 30"/>
+          <p:cNvPicPr>
+            <a:picLocks noChangeAspect="1"/>
+          </p:cNvPicPr>
+          <p:nvPr/>
+        </p:nvPicPr>
+        <p:blipFill>
+          <a:blip r:embed="rId8"/>
+          <a:stretch>
+            <a:fillRect/>
+          </a:stretch>
+        </p:blipFill>
+        <p:spPr>
+          <a:xfrm>
+            <a:off x="6651795" y="4958152"/>
+            <a:ext cx="1459805" cy="618830"/>
+          </a:xfrm>
+          <a:prstGeom prst="rect">
+            <a:avLst/>
+          </a:prstGeom>
+        </p:spPr>
+      </p:pic>
+      <p:sp>
+        <p:nvSpPr>
+          <p:cNvPr id="32" name="Up-Down Arrow 31"/>
           <p:cNvSpPr/>
           <p:nvPr/>
         </p:nvSpPr>
         <p:spPr>
           <a:xfrm>
-            <a:off x="6349846" y="4847852"/>
-            <a:ext cx="203354" cy="719594"/>
+            <a:off x="3478746" y="5207649"/>
+            <a:ext cx="419238" cy="662390"/>
           </a:xfrm>
           <a:prstGeom prst="upDownArrow">
             <a:avLst/>
@@ -5966,17 +5159,45 @@
           </a:p>
         </p:txBody>
       </p:sp>
+      <p:sp>
+        <p:nvSpPr>
+          <p:cNvPr id="33" name="TextBox 32"/>
+          <p:cNvSpPr txBox="1"/>
+          <p:nvPr/>
+        </p:nvSpPr>
+        <p:spPr>
+          <a:xfrm>
+            <a:off x="2774165" y="5392316"/>
+            <a:ext cx="495636" cy="369332"/>
+          </a:xfrm>
+          <a:prstGeom prst="rect">
+            <a:avLst/>
+          </a:prstGeom>
+          <a:noFill/>
+        </p:spPr>
+        <p:txBody>
+          <a:bodyPr wrap="none" rtlCol="0">
+            <a:spAutoFit/>
+          </a:bodyPr>
+          <a:lstStyle/>
+          <a:p>
+            <a:r>
+              <a:rPr lang="en-US" dirty="0" smtClean="0"/>
+              <a:t>API</a:t>
+            </a:r>
+            <a:endParaRPr lang="en-US" dirty="0"/>
+          </a:p>
+        </p:txBody>
+      </p:sp>
       <p:cxnSp>
         <p:nvCxnSpPr>
-          <p:cNvPr id="35" name="Straight Arrow Connector 34"/>
-          <p:cNvCxnSpPr>
-            <a:endCxn id="3" idx="1"/>
-          </p:cNvCxnSpPr>
+          <p:cNvPr id="34" name="Straight Arrow Connector 33"/>
+          <p:cNvCxnSpPr/>
           <p:nvPr/>
         </p:nvCxnSpPr>
         <p:spPr>
           <a:xfrm>
-            <a:off x="5488399" y="4490258"/>
+            <a:off x="5488399" y="6244262"/>
             <a:ext cx="577258" cy="0"/>
           </a:xfrm>
           <a:prstGeom prst="straightConnector1">
@@ -6001,16 +5222,49 @@
           </a:fontRef>
         </p:style>
       </p:cxnSp>
-      <p:sp>
-        <p:nvSpPr>
-          <p:cNvPr id="21" name="TextBox 20"/>
+      <p:cxnSp>
+        <p:nvCxnSpPr>
+          <p:cNvPr id="36" name="Straight Arrow Connector 35"/>
+          <p:cNvCxnSpPr/>
+          <p:nvPr/>
+        </p:nvCxnSpPr>
+        <p:spPr>
+          <a:xfrm>
+            <a:off x="5488399" y="2089598"/>
+            <a:ext cx="577258" cy="0"/>
+          </a:xfrm>
+          <a:prstGeom prst="straightConnector1">
+            <a:avLst/>
+          </a:prstGeom>
+          <a:ln>
+            <a:tailEnd type="arrow"/>
+          </a:ln>
+        </p:spPr>
+        <p:style>
+          <a:lnRef idx="2">
+            <a:schemeClr val="accent1"/>
+          </a:lnRef>
+          <a:fillRef idx="0">
+            <a:schemeClr val="accent1"/>
+          </a:fillRef>
+          <a:effectRef idx="1">
+            <a:schemeClr val="accent1"/>
+          </a:effectRef>
+          <a:fontRef idx="minor">
+            <a:schemeClr val="tx1"/>
+          </a:fontRef>
+        </p:style>
+      </p:cxnSp>
+      <p:sp>
+        <p:nvSpPr>
+          <p:cNvPr id="39" name="TextBox 38"/>
           <p:cNvSpPr txBox="1"/>
           <p:nvPr/>
         </p:nvSpPr>
         <p:spPr>
           <a:xfrm>
-            <a:off x="6089952" y="6437002"/>
-            <a:ext cx="2295408" cy="369332"/>
+            <a:off x="6651795" y="6488668"/>
+            <a:ext cx="1120820" cy="369332"/>
           </a:xfrm>
           <a:prstGeom prst="rect">
             <a:avLst/>
@@ -6025,16 +5279,398 @@
           <a:p>
             <a:r>
               <a:rPr lang="en-US" dirty="0" smtClean="0"/>
-              <a:t>Global Flood Database</a:t>
+              <a:t>End Users</a:t>
             </a:r>
             <a:endParaRPr lang="en-US" dirty="0"/>
+          </a:p>
+        </p:txBody>
+      </p:sp>
+      <p:pic>
+        <p:nvPicPr>
+          <p:cNvPr id="40" name="Picture 39"/>
+          <p:cNvPicPr>
+            <a:picLocks noChangeAspect="1"/>
+          </p:cNvPicPr>
+          <p:nvPr/>
+        </p:nvPicPr>
+        <p:blipFill>
+          <a:blip r:embed="rId9"/>
+          <a:stretch>
+            <a:fillRect/>
+          </a:stretch>
+        </p:blipFill>
+        <p:spPr>
+          <a:xfrm>
+            <a:off x="6184687" y="4367719"/>
+            <a:ext cx="2462746" cy="396507"/>
+          </a:xfrm>
+          <a:prstGeom prst="rect">
+            <a:avLst/>
+          </a:prstGeom>
+        </p:spPr>
+      </p:pic>
+      <p:sp>
+        <p:nvSpPr>
+          <p:cNvPr id="3" name="Rectangle 2"/>
+          <p:cNvSpPr/>
+          <p:nvPr/>
+        </p:nvSpPr>
+        <p:spPr>
+          <a:xfrm>
+            <a:off x="275502" y="1253982"/>
+            <a:ext cx="1499441" cy="646331"/>
+          </a:xfrm>
+          <a:prstGeom prst="rect">
+            <a:avLst/>
+          </a:prstGeom>
+        </p:spPr>
+        <p:txBody>
+          <a:bodyPr wrap="none">
+            <a:spAutoFit/>
+          </a:bodyPr>
+          <a:lstStyle/>
+          <a:p>
+            <a:r>
+              <a:rPr lang="en-US" dirty="0"/>
+              <a:t>Radarsat-</a:t>
+            </a:r>
+            <a:r>
+              <a:rPr lang="en-US" dirty="0" smtClean="0"/>
+              <a:t>2</a:t>
+            </a:r>
+          </a:p>
+          <a:p>
+            <a:r>
+              <a:rPr lang="en-US" dirty="0" smtClean="0"/>
+              <a:t>CSA/MDA FTP</a:t>
+            </a:r>
+            <a:endParaRPr lang="en-US" dirty="0"/>
+          </a:p>
+        </p:txBody>
+      </p:sp>
+      <p:sp>
+        <p:nvSpPr>
+          <p:cNvPr id="10" name="Folded Corner 9"/>
+          <p:cNvSpPr/>
+          <p:nvPr/>
+        </p:nvSpPr>
+        <p:spPr>
+          <a:xfrm>
+            <a:off x="2172459" y="1438648"/>
+            <a:ext cx="390760" cy="488430"/>
+          </a:xfrm>
+          <a:prstGeom prst="foldedCorner">
+            <a:avLst/>
+          </a:prstGeom>
+        </p:spPr>
+        <p:style>
+          <a:lnRef idx="1">
+            <a:schemeClr val="accent1"/>
+          </a:lnRef>
+          <a:fillRef idx="3">
+            <a:schemeClr val="accent1"/>
+          </a:fillRef>
+          <a:effectRef idx="2">
+            <a:schemeClr val="accent1"/>
+          </a:effectRef>
+          <a:fontRef idx="minor">
+            <a:schemeClr val="lt1"/>
+          </a:fontRef>
+        </p:style>
+        <p:txBody>
+          <a:bodyPr rtlCol="0" anchor="ctr"/>
+          <a:lstStyle/>
+          <a:p>
+            <a:pPr algn="ctr"/>
+            <a:r>
+              <a:rPr lang="en-US" sz="1050" dirty="0" smtClean="0"/>
+              <a:t>SGF</a:t>
+            </a:r>
+            <a:endParaRPr lang="en-US" sz="1050" dirty="0"/>
+          </a:p>
+        </p:txBody>
+      </p:sp>
+      <p:cxnSp>
+        <p:nvCxnSpPr>
+          <p:cNvPr id="15" name="Straight Arrow Connector 14"/>
+          <p:cNvCxnSpPr>
+            <a:endCxn id="10" idx="1"/>
+          </p:cNvCxnSpPr>
+          <p:nvPr/>
+        </p:nvCxnSpPr>
+        <p:spPr>
+          <a:xfrm>
+            <a:off x="1699012" y="1682863"/>
+            <a:ext cx="473447" cy="0"/>
+          </a:xfrm>
+          <a:prstGeom prst="straightConnector1">
+            <a:avLst/>
+          </a:prstGeom>
+          <a:ln>
+            <a:tailEnd type="arrow"/>
+          </a:ln>
+        </p:spPr>
+        <p:style>
+          <a:lnRef idx="2">
+            <a:schemeClr val="accent1"/>
+          </a:lnRef>
+          <a:fillRef idx="0">
+            <a:schemeClr val="accent1"/>
+          </a:fillRef>
+          <a:effectRef idx="1">
+            <a:schemeClr val="accent1"/>
+          </a:effectRef>
+          <a:fontRef idx="minor">
+            <a:schemeClr val="tx1"/>
+          </a:fontRef>
+        </p:style>
+      </p:cxnSp>
+      <p:cxnSp>
+        <p:nvCxnSpPr>
+          <p:cNvPr id="22" name="Straight Arrow Connector 21"/>
+          <p:cNvCxnSpPr>
+            <a:stCxn id="10" idx="2"/>
+          </p:cNvCxnSpPr>
+          <p:nvPr/>
+        </p:nvCxnSpPr>
+        <p:spPr>
+          <a:xfrm>
+            <a:off x="2367839" y="1927078"/>
+            <a:ext cx="195380" cy="449536"/>
+          </a:xfrm>
+          <a:prstGeom prst="straightConnector1">
+            <a:avLst/>
+          </a:prstGeom>
+          <a:ln>
+            <a:tailEnd type="arrow"/>
+          </a:ln>
+        </p:spPr>
+        <p:style>
+          <a:lnRef idx="2">
+            <a:schemeClr val="accent1"/>
+          </a:lnRef>
+          <a:fillRef idx="0">
+            <a:schemeClr val="accent1"/>
+          </a:fillRef>
+          <a:effectRef idx="1">
+            <a:schemeClr val="accent1"/>
+          </a:effectRef>
+          <a:fontRef idx="minor">
+            <a:schemeClr val="tx1"/>
+          </a:fontRef>
+        </p:style>
+      </p:cxnSp>
+      <p:pic>
+        <p:nvPicPr>
+          <p:cNvPr id="25" name="Picture 24"/>
+          <p:cNvPicPr>
+            <a:picLocks noChangeAspect="1"/>
+          </p:cNvPicPr>
+          <p:nvPr/>
+        </p:nvPicPr>
+        <p:blipFill>
+          <a:blip r:embed="rId10"/>
+          <a:stretch>
+            <a:fillRect/>
+          </a:stretch>
+        </p:blipFill>
+        <p:spPr>
+          <a:xfrm>
+            <a:off x="500572" y="2278916"/>
+            <a:ext cx="997253" cy="872596"/>
+          </a:xfrm>
+          <a:prstGeom prst="rect">
+            <a:avLst/>
+          </a:prstGeom>
+        </p:spPr>
+      </p:pic>
+      <p:sp>
+        <p:nvSpPr>
+          <p:cNvPr id="28" name="Rectangle 27"/>
+          <p:cNvSpPr/>
+          <p:nvPr/>
+        </p:nvSpPr>
+        <p:spPr>
+          <a:xfrm>
+            <a:off x="0" y="2828346"/>
+            <a:ext cx="1261937" cy="646331"/>
+          </a:xfrm>
+          <a:prstGeom prst="rect">
+            <a:avLst/>
+          </a:prstGeom>
+        </p:spPr>
+        <p:txBody>
+          <a:bodyPr wrap="square">
+            <a:spAutoFit/>
+          </a:bodyPr>
+          <a:lstStyle/>
+          <a:p>
+            <a:r>
+              <a:rPr lang="en-US" dirty="0"/>
+              <a:t>EO-1</a:t>
+            </a:r>
+          </a:p>
+          <a:p>
+            <a:r>
+              <a:rPr lang="en-US" dirty="0"/>
+              <a:t>Landsat-8</a:t>
+            </a:r>
+          </a:p>
+        </p:txBody>
+      </p:sp>
+      <p:pic>
+        <p:nvPicPr>
+          <p:cNvPr id="35" name="Picture 34"/>
+          <p:cNvPicPr>
+            <a:picLocks noChangeAspect="1"/>
+          </p:cNvPicPr>
+          <p:nvPr/>
+        </p:nvPicPr>
+        <p:blipFill rotWithShape="1">
+          <a:blip r:embed="rId11"/>
+          <a:srcRect l="-11007" r="57981"/>
+          <a:stretch/>
+        </p:blipFill>
+        <p:spPr>
+          <a:xfrm>
+            <a:off x="275502" y="4013032"/>
+            <a:ext cx="1261937" cy="1012061"/>
+          </a:xfrm>
+          <a:prstGeom prst="rect">
+            <a:avLst/>
+          </a:prstGeom>
+        </p:spPr>
+      </p:pic>
+      <p:cxnSp>
+        <p:nvCxnSpPr>
+          <p:cNvPr id="41" name="Straight Arrow Connector 40"/>
+          <p:cNvCxnSpPr/>
+          <p:nvPr/>
+        </p:nvCxnSpPr>
+        <p:spPr>
+          <a:xfrm>
+            <a:off x="1571920" y="4655761"/>
+            <a:ext cx="390759" cy="0"/>
+          </a:xfrm>
+          <a:prstGeom prst="straightConnector1">
+            <a:avLst/>
+          </a:prstGeom>
+          <a:ln>
+            <a:headEnd type="arrow"/>
+            <a:tailEnd type="arrow"/>
+          </a:ln>
+        </p:spPr>
+        <p:style>
+          <a:lnRef idx="2">
+            <a:schemeClr val="accent1"/>
+          </a:lnRef>
+          <a:fillRef idx="0">
+            <a:schemeClr val="accent1"/>
+          </a:fillRef>
+          <a:effectRef idx="1">
+            <a:schemeClr val="accent1"/>
+          </a:effectRef>
+          <a:fontRef idx="minor">
+            <a:schemeClr val="tx1"/>
+          </a:fontRef>
+        </p:style>
+      </p:cxnSp>
+      <p:sp>
+        <p:nvSpPr>
+          <p:cNvPr id="37" name="TextBox 36"/>
+          <p:cNvSpPr txBox="1"/>
+          <p:nvPr/>
+        </p:nvSpPr>
+        <p:spPr>
+          <a:xfrm>
+            <a:off x="132365" y="3722404"/>
+            <a:ext cx="1595309" cy="369332"/>
+          </a:xfrm>
+          <a:prstGeom prst="rect">
+            <a:avLst/>
+          </a:prstGeom>
+          <a:noFill/>
+        </p:spPr>
+        <p:txBody>
+          <a:bodyPr wrap="none" rtlCol="0">
+            <a:spAutoFit/>
+          </a:bodyPr>
+          <a:lstStyle/>
+          <a:p>
+            <a:r>
+              <a:rPr lang="en-US" dirty="0" smtClean="0"/>
+              <a:t>NASA OAS NRT</a:t>
+            </a:r>
+            <a:endParaRPr lang="en-US" dirty="0"/>
+          </a:p>
+        </p:txBody>
+      </p:sp>
+      <p:pic>
+        <p:nvPicPr>
+          <p:cNvPr id="12" name="Picture 11"/>
+          <p:cNvPicPr>
+            <a:picLocks noChangeAspect="1"/>
+          </p:cNvPicPr>
+          <p:nvPr/>
+        </p:nvPicPr>
+        <p:blipFill>
+          <a:blip r:embed="rId12"/>
+          <a:stretch>
+            <a:fillRect/>
+          </a:stretch>
+        </p:blipFill>
+        <p:spPr>
+          <a:xfrm>
+            <a:off x="3688366" y="5925645"/>
+            <a:ext cx="1710192" cy="672600"/>
+          </a:xfrm>
+          <a:prstGeom prst="rect">
+            <a:avLst/>
+          </a:prstGeom>
+        </p:spPr>
+      </p:pic>
+      <p:sp>
+        <p:nvSpPr>
+          <p:cNvPr id="18" name="TextBox 17"/>
+          <p:cNvSpPr txBox="1"/>
+          <p:nvPr/>
+        </p:nvSpPr>
+        <p:spPr>
+          <a:xfrm>
+            <a:off x="1901251" y="6536809"/>
+            <a:ext cx="2820992" cy="307777"/>
+          </a:xfrm>
+          <a:prstGeom prst="rect">
+            <a:avLst/>
+          </a:prstGeom>
+          <a:noFill/>
+        </p:spPr>
+        <p:txBody>
+          <a:bodyPr wrap="none" rtlCol="0">
+            <a:spAutoFit/>
+          </a:bodyPr>
+          <a:lstStyle/>
+          <a:p>
+            <a:r>
+              <a:rPr lang="en-US" sz="1400" dirty="0" smtClean="0"/>
+              <a:t>http://</a:t>
+            </a:r>
+            <a:r>
+              <a:rPr lang="en-US" sz="1400" dirty="0" err="1"/>
+              <a:t>o</a:t>
+            </a:r>
+            <a:r>
+              <a:rPr lang="en-US" sz="1400" dirty="0" err="1" smtClean="0"/>
+              <a:t>jo-streamer.herokuapp.com</a:t>
+            </a:r>
+            <a:endParaRPr lang="en-US" sz="1400" dirty="0"/>
           </a:p>
         </p:txBody>
       </p:sp>
     </p:spTree>
     <p:extLst>
       <p:ext uri="{BB962C8B-B14F-4D97-AF65-F5344CB8AC3E}">
-        <p14:creationId xmlns:p14="http://schemas.microsoft.com/office/powerpoint/2010/main" val="389509561"/>
+        <p14:creationId xmlns:p14="http://schemas.microsoft.com/office/powerpoint/2010/main" val="3483513293"/>
       </p:ext>
     </p:extLst>
   </p:cSld>
@@ -6085,7 +5721,7 @@
           <a:p>
             <a:r>
               <a:rPr lang="en-US" dirty="0" smtClean="0"/>
-              <a:t>Let’s Get Started…</a:t>
+              <a:t>And Later…</a:t>
             </a:r>
             <a:endParaRPr lang="en-US" dirty="0"/>
           </a:p>
@@ -6110,7 +5746,7 @@
               <a:rPr lang="en-US" smtClean="0"/>
               <a:t>13</a:t>
             </a:fld>
-            <a:endParaRPr lang="en-US"/>
+            <a:endParaRPr lang="en-US" dirty="0"/>
           </a:p>
         </p:txBody>
       </p:sp>
@@ -6138,114 +5774,9 @@
           </a:prstGeom>
         </p:spPr>
       </p:pic>
-      <p:sp>
-        <p:nvSpPr>
-          <p:cNvPr id="8" name="TextBox 7"/>
-          <p:cNvSpPr txBox="1"/>
-          <p:nvPr/>
-        </p:nvSpPr>
-        <p:spPr>
-          <a:xfrm>
-            <a:off x="390760" y="2522074"/>
-            <a:ext cx="1198728" cy="369332"/>
-          </a:xfrm>
-          <a:prstGeom prst="rect">
-            <a:avLst/>
-          </a:prstGeom>
-          <a:noFill/>
-        </p:spPr>
-        <p:txBody>
-          <a:bodyPr wrap="none" rtlCol="0">
-            <a:spAutoFit/>
-          </a:bodyPr>
-          <a:lstStyle/>
-          <a:p>
-            <a:r>
-              <a:rPr lang="en-US" dirty="0" smtClean="0"/>
-              <a:t>Radarsat-2</a:t>
-            </a:r>
-          </a:p>
-        </p:txBody>
-      </p:sp>
-      <p:cxnSp>
-        <p:nvCxnSpPr>
-          <p:cNvPr id="11" name="Straight Arrow Connector 10"/>
-          <p:cNvCxnSpPr/>
-          <p:nvPr/>
-        </p:nvCxnSpPr>
-        <p:spPr>
-          <a:xfrm>
-            <a:off x="1660729" y="2735208"/>
-            <a:ext cx="692710" cy="0"/>
-          </a:xfrm>
-          <a:prstGeom prst="straightConnector1">
-            <a:avLst/>
-          </a:prstGeom>
-          <a:ln>
-            <a:tailEnd type="arrow"/>
-          </a:ln>
-        </p:spPr>
-        <p:style>
-          <a:lnRef idx="2">
-            <a:schemeClr val="accent1"/>
-          </a:lnRef>
-          <a:fillRef idx="0">
-            <a:schemeClr val="accent1"/>
-          </a:fillRef>
-          <a:effectRef idx="1">
-            <a:schemeClr val="accent1"/>
-          </a:effectRef>
-          <a:fontRef idx="minor">
-            <a:schemeClr val="tx1"/>
-          </a:fontRef>
-        </p:style>
-      </p:cxnSp>
-      <p:sp>
-        <p:nvSpPr>
-          <p:cNvPr id="12" name="Rectangle 11"/>
-          <p:cNvSpPr/>
-          <p:nvPr/>
-        </p:nvSpPr>
-        <p:spPr>
-          <a:xfrm>
-            <a:off x="208535" y="5057728"/>
-            <a:ext cx="4572000" cy="646331"/>
-          </a:xfrm>
-          <a:prstGeom prst="rect">
-            <a:avLst/>
-          </a:prstGeom>
-        </p:spPr>
-        <p:txBody>
-          <a:bodyPr>
-            <a:spAutoFit/>
-          </a:bodyPr>
-          <a:lstStyle/>
-          <a:p>
-            <a:r>
-              <a:rPr lang="en-US" dirty="0" smtClean="0"/>
-              <a:t>Infrastructure: AWS, RDS</a:t>
-            </a:r>
-            <a:endParaRPr lang="en-US" dirty="0"/>
-          </a:p>
-          <a:p>
-            <a:r>
-              <a:rPr lang="en-US" dirty="0" smtClean="0"/>
-              <a:t>DEM</a:t>
-            </a:r>
-            <a:r>
-              <a:rPr lang="en-US" dirty="0"/>
-              <a:t>, HAND, Reference </a:t>
-            </a:r>
-            <a:r>
-              <a:rPr lang="en-US" dirty="0" smtClean="0"/>
-              <a:t>Water</a:t>
-            </a:r>
-          </a:p>
-        </p:txBody>
-      </p:sp>
       <p:pic>
         <p:nvPicPr>
-          <p:cNvPr id="13" name="Picture 12"/>
+          <p:cNvPr id="7" name="Picture 6"/>
           <p:cNvPicPr>
             <a:picLocks noChangeAspect="1"/>
           </p:cNvPicPr>
@@ -6259,110 +5790,17 @@
         </p:blipFill>
         <p:spPr>
           <a:xfrm>
-            <a:off x="4468929" y="3099192"/>
-            <a:ext cx="623211" cy="623211"/>
+            <a:off x="2717800" y="1186716"/>
+            <a:ext cx="1854200" cy="1092200"/>
           </a:xfrm>
           <a:prstGeom prst="rect">
             <a:avLst/>
           </a:prstGeom>
         </p:spPr>
       </p:pic>
-      <p:cxnSp>
-        <p:nvCxnSpPr>
-          <p:cNvPr id="17" name="Straight Arrow Connector 16"/>
-          <p:cNvCxnSpPr/>
-          <p:nvPr/>
-        </p:nvCxnSpPr>
-        <p:spPr>
-          <a:xfrm>
-            <a:off x="3776219" y="3420441"/>
-            <a:ext cx="692710" cy="0"/>
-          </a:xfrm>
-          <a:prstGeom prst="straightConnector1">
-            <a:avLst/>
-          </a:prstGeom>
-          <a:ln>
-            <a:tailEnd type="arrow"/>
-          </a:ln>
-        </p:spPr>
-        <p:style>
-          <a:lnRef idx="2">
-            <a:schemeClr val="accent1"/>
-          </a:lnRef>
-          <a:fillRef idx="0">
-            <a:schemeClr val="accent1"/>
-          </a:fillRef>
-          <a:effectRef idx="1">
-            <a:schemeClr val="accent1"/>
-          </a:effectRef>
-          <a:fontRef idx="minor">
-            <a:schemeClr val="tx1"/>
-          </a:fontRef>
-        </p:style>
-      </p:cxnSp>
-      <p:sp>
-        <p:nvSpPr>
-          <p:cNvPr id="26" name="TextBox 25"/>
-          <p:cNvSpPr txBox="1"/>
-          <p:nvPr/>
-        </p:nvSpPr>
-        <p:spPr>
-          <a:xfrm>
-            <a:off x="2023472" y="3880798"/>
-            <a:ext cx="2151926" cy="369332"/>
-          </a:xfrm>
-          <a:prstGeom prst="rect">
-            <a:avLst/>
-          </a:prstGeom>
-          <a:noFill/>
-        </p:spPr>
-        <p:txBody>
-          <a:bodyPr wrap="none" rtlCol="0">
-            <a:spAutoFit/>
-          </a:bodyPr>
-          <a:lstStyle/>
-          <a:p>
-            <a:r>
-              <a:rPr lang="en-US" dirty="0" smtClean="0"/>
-              <a:t>AWS Virtual Instance</a:t>
-            </a:r>
-            <a:endParaRPr lang="en-US" dirty="0"/>
-          </a:p>
-        </p:txBody>
-      </p:sp>
-      <p:sp>
-        <p:nvSpPr>
-          <p:cNvPr id="27" name="TextBox 26"/>
-          <p:cNvSpPr txBox="1"/>
-          <p:nvPr/>
-        </p:nvSpPr>
-        <p:spPr>
-          <a:xfrm>
-            <a:off x="4591169" y="2543368"/>
-            <a:ext cx="1189824" cy="369332"/>
-          </a:xfrm>
-          <a:prstGeom prst="rect">
-            <a:avLst/>
-          </a:prstGeom>
-          <a:noFill/>
-        </p:spPr>
-        <p:txBody>
-          <a:bodyPr wrap="none" rtlCol="0">
-            <a:spAutoFit/>
-          </a:bodyPr>
-          <a:lstStyle/>
-          <a:p>
-            <a:r>
-              <a:rPr lang="en-US" dirty="0" smtClean="0"/>
-              <a:t>Flood Map</a:t>
-            </a:r>
-            <a:endParaRPr lang="en-US" dirty="0"/>
-          </a:p>
-        </p:txBody>
-      </p:sp>
       <p:pic>
         <p:nvPicPr>
-          <p:cNvPr id="3" name="Picture 2"/>
+          <p:cNvPr id="13" name="Picture 12"/>
           <p:cNvPicPr>
             <a:picLocks noChangeAspect="1"/>
           </p:cNvPicPr>
@@ -6376,8 +5814,8 @@
         </p:blipFill>
         <p:spPr>
           <a:xfrm>
-            <a:off x="2614729" y="1222239"/>
-            <a:ext cx="1854200" cy="1092200"/>
+            <a:off x="4468929" y="2992744"/>
+            <a:ext cx="729660" cy="729660"/>
           </a:xfrm>
           <a:prstGeom prst="rect">
             <a:avLst/>
@@ -6386,14 +5824,14 @@
       </p:pic>
       <p:sp>
         <p:nvSpPr>
-          <p:cNvPr id="5" name="TextBox 4"/>
+          <p:cNvPr id="16" name="TextBox 15"/>
           <p:cNvSpPr txBox="1"/>
           <p:nvPr/>
         </p:nvSpPr>
         <p:spPr>
           <a:xfrm>
-            <a:off x="217416" y="1222239"/>
-            <a:ext cx="1694995" cy="369332"/>
+            <a:off x="6065657" y="3641384"/>
+            <a:ext cx="2498626" cy="369332"/>
           </a:xfrm>
           <a:prstGeom prst="rect">
             <a:avLst/>
@@ -6407,8 +5845,8 @@
           <a:lstStyle/>
           <a:p>
             <a:r>
-              <a:rPr lang="en-US" dirty="0" err="1" smtClean="0"/>
-              <a:t>OpenStreetMap</a:t>
+              <a:rPr lang="en-US" dirty="0" smtClean="0"/>
+              <a:t>Regional Flood Database</a:t>
             </a:r>
             <a:endParaRPr lang="en-US" dirty="0"/>
           </a:p>
@@ -6416,14 +5854,14 @@
       </p:sp>
       <p:cxnSp>
         <p:nvCxnSpPr>
-          <p:cNvPr id="20" name="Straight Arrow Connector 19"/>
+          <p:cNvPr id="17" name="Straight Arrow Connector 16"/>
           <p:cNvCxnSpPr/>
           <p:nvPr/>
         </p:nvCxnSpPr>
         <p:spPr>
-          <a:xfrm flipV="1">
-            <a:off x="2023472" y="1454565"/>
-            <a:ext cx="394893" cy="1"/>
+          <a:xfrm>
+            <a:off x="3776219" y="3420441"/>
+            <a:ext cx="692710" cy="0"/>
           </a:xfrm>
           <a:prstGeom prst="straightConnector1">
             <a:avLst/>
@@ -6449,14 +5887,110 @@
       </p:cxnSp>
       <p:sp>
         <p:nvSpPr>
-          <p:cNvPr id="9" name="TextBox 8"/>
+          <p:cNvPr id="5" name="Rectangle 4"/>
+          <p:cNvSpPr/>
+          <p:nvPr/>
+        </p:nvSpPr>
+        <p:spPr>
+          <a:xfrm>
+            <a:off x="1811704" y="1069316"/>
+            <a:ext cx="3586853" cy="4138333"/>
+          </a:xfrm>
+          <a:prstGeom prst="rect">
+            <a:avLst/>
+          </a:prstGeom>
+          <a:noFill/>
+        </p:spPr>
+        <p:style>
+          <a:lnRef idx="1">
+            <a:schemeClr val="accent1"/>
+          </a:lnRef>
+          <a:fillRef idx="3">
+            <a:schemeClr val="accent1"/>
+          </a:fillRef>
+          <a:effectRef idx="2">
+            <a:schemeClr val="accent1"/>
+          </a:effectRef>
+          <a:fontRef idx="minor">
+            <a:schemeClr val="lt1"/>
+          </a:fontRef>
+        </p:style>
+        <p:txBody>
+          <a:bodyPr rtlCol="0" anchor="ctr"/>
+          <a:lstStyle/>
+          <a:p>
+            <a:pPr algn="ctr"/>
+            <a:endParaRPr lang="en-US" dirty="0"/>
+          </a:p>
+        </p:txBody>
+      </p:sp>
+      <p:pic>
+        <p:nvPicPr>
+          <p:cNvPr id="9" name="Picture 8"/>
+          <p:cNvPicPr>
+            <a:picLocks noChangeAspect="1"/>
+          </p:cNvPicPr>
+          <p:nvPr/>
+        </p:nvPicPr>
+        <p:blipFill>
+          <a:blip r:embed="rId5"/>
+          <a:stretch>
+            <a:fillRect/>
+          </a:stretch>
+        </p:blipFill>
+        <p:spPr>
+          <a:xfrm>
+            <a:off x="4468929" y="4149551"/>
+            <a:ext cx="690876" cy="690876"/>
+          </a:xfrm>
+          <a:prstGeom prst="rect">
+            <a:avLst/>
+          </a:prstGeom>
+        </p:spPr>
+      </p:pic>
+      <p:cxnSp>
+        <p:nvCxnSpPr>
+          <p:cNvPr id="19" name="Straight Arrow Connector 18"/>
+          <p:cNvCxnSpPr/>
+          <p:nvPr/>
+        </p:nvCxnSpPr>
+        <p:spPr>
+          <a:xfrm>
+            <a:off x="3776219" y="3827514"/>
+            <a:ext cx="692710" cy="390744"/>
+          </a:xfrm>
+          <a:prstGeom prst="straightConnector1">
+            <a:avLst/>
+          </a:prstGeom>
+          <a:ln>
+            <a:tailEnd type="arrow"/>
+          </a:ln>
+        </p:spPr>
+        <p:style>
+          <a:lnRef idx="2">
+            <a:schemeClr val="accent1"/>
+          </a:lnRef>
+          <a:fillRef idx="0">
+            <a:schemeClr val="accent1"/>
+          </a:fillRef>
+          <a:effectRef idx="1">
+            <a:schemeClr val="accent1"/>
+          </a:effectRef>
+          <a:fontRef idx="minor">
+            <a:schemeClr val="tx1"/>
+          </a:fontRef>
+        </p:style>
+      </p:cxnSp>
+      <p:sp>
+        <p:nvSpPr>
+          <p:cNvPr id="23" name="TextBox 22"/>
           <p:cNvSpPr txBox="1"/>
           <p:nvPr/>
         </p:nvSpPr>
         <p:spPr>
           <a:xfrm>
-            <a:off x="3314618" y="1085233"/>
-            <a:ext cx="1165027" cy="369332"/>
+            <a:off x="1962679" y="4655761"/>
+            <a:ext cx="1059304" cy="369332"/>
           </a:xfrm>
           <a:prstGeom prst="rect">
             <a:avLst/>
@@ -6471,7 +6005,666 @@
           <a:p>
             <a:r>
               <a:rPr lang="en-US" dirty="0" smtClean="0"/>
+              <a:t>Publisher</a:t>
+            </a:r>
+            <a:endParaRPr lang="en-US" dirty="0"/>
+          </a:p>
+        </p:txBody>
+      </p:sp>
+      <p:pic>
+        <p:nvPicPr>
+          <p:cNvPr id="3" name="Picture 2"/>
+          <p:cNvPicPr>
+            <a:picLocks noChangeAspect="1"/>
+          </p:cNvPicPr>
+          <p:nvPr/>
+        </p:nvPicPr>
+        <p:blipFill>
+          <a:blip r:embed="rId6"/>
+          <a:stretch>
+            <a:fillRect/>
+          </a:stretch>
+        </p:blipFill>
+        <p:spPr>
+          <a:xfrm>
+            <a:off x="6065657" y="4149551"/>
+            <a:ext cx="718446" cy="681413"/>
+          </a:xfrm>
+          <a:prstGeom prst="rect">
+            <a:avLst/>
+          </a:prstGeom>
+        </p:spPr>
+      </p:pic>
+      <p:pic>
+        <p:nvPicPr>
+          <p:cNvPr id="28" name="Picture 27"/>
+          <p:cNvPicPr>
+            <a:picLocks noChangeAspect="1"/>
+          </p:cNvPicPr>
+          <p:nvPr/>
+        </p:nvPicPr>
+        <p:blipFill>
+          <a:blip r:embed="rId6"/>
+          <a:stretch>
+            <a:fillRect/>
+          </a:stretch>
+        </p:blipFill>
+        <p:spPr>
+          <a:xfrm>
+            <a:off x="6089952" y="5674937"/>
+            <a:ext cx="718446" cy="681413"/>
+          </a:xfrm>
+          <a:prstGeom prst="rect">
+            <a:avLst/>
+          </a:prstGeom>
+        </p:spPr>
+      </p:pic>
+      <p:pic>
+        <p:nvPicPr>
+          <p:cNvPr id="10" name="Picture 9"/>
+          <p:cNvPicPr>
+            <a:picLocks noChangeAspect="1"/>
+          </p:cNvPicPr>
+          <p:nvPr/>
+        </p:nvPicPr>
+        <p:blipFill>
+          <a:blip r:embed="rId7"/>
+          <a:stretch>
+            <a:fillRect/>
+          </a:stretch>
+        </p:blipFill>
+        <p:spPr>
+          <a:xfrm>
+            <a:off x="3688365" y="5377201"/>
+            <a:ext cx="1738765" cy="1244467"/>
+          </a:xfrm>
+          <a:prstGeom prst="rect">
+            <a:avLst/>
+          </a:prstGeom>
+        </p:spPr>
+      </p:pic>
+      <p:sp>
+        <p:nvSpPr>
+          <p:cNvPr id="12" name="TextBox 11"/>
+          <p:cNvSpPr txBox="1"/>
+          <p:nvPr/>
+        </p:nvSpPr>
+        <p:spPr>
+          <a:xfrm>
+            <a:off x="1180384" y="6252336"/>
+            <a:ext cx="2507981" cy="369332"/>
+          </a:xfrm>
+          <a:prstGeom prst="rect">
+            <a:avLst/>
+          </a:prstGeom>
+          <a:noFill/>
+        </p:spPr>
+        <p:txBody>
+          <a:bodyPr wrap="none" rtlCol="0">
+            <a:spAutoFit/>
+          </a:bodyPr>
+          <a:lstStyle/>
+          <a:p>
+            <a:r>
+              <a:rPr lang="en-US" dirty="0" smtClean="0"/>
+              <a:t>Global Flood Partnership</a:t>
+            </a:r>
+            <a:endParaRPr lang="en-US" dirty="0"/>
+          </a:p>
+        </p:txBody>
+      </p:sp>
+      <p:sp>
+        <p:nvSpPr>
+          <p:cNvPr id="15" name="Up-Down Arrow 14"/>
+          <p:cNvSpPr/>
+          <p:nvPr/>
+        </p:nvSpPr>
+        <p:spPr>
+          <a:xfrm>
+            <a:off x="6349846" y="4847852"/>
+            <a:ext cx="203354" cy="719594"/>
+          </a:xfrm>
+          <a:prstGeom prst="upDownArrow">
+            <a:avLst/>
+          </a:prstGeom>
+        </p:spPr>
+        <p:style>
+          <a:lnRef idx="1">
+            <a:schemeClr val="accent1"/>
+          </a:lnRef>
+          <a:fillRef idx="3">
+            <a:schemeClr val="accent1"/>
+          </a:fillRef>
+          <a:effectRef idx="2">
+            <a:schemeClr val="accent1"/>
+          </a:effectRef>
+          <a:fontRef idx="minor">
+            <a:schemeClr val="lt1"/>
+          </a:fontRef>
+        </p:style>
+        <p:txBody>
+          <a:bodyPr rtlCol="0" anchor="ctr"/>
+          <a:lstStyle/>
+          <a:p>
+            <a:pPr algn="ctr"/>
+            <a:endParaRPr lang="en-US" dirty="0"/>
+          </a:p>
+        </p:txBody>
+      </p:sp>
+      <p:cxnSp>
+        <p:nvCxnSpPr>
+          <p:cNvPr id="35" name="Straight Arrow Connector 34"/>
+          <p:cNvCxnSpPr>
+            <a:endCxn id="3" idx="1"/>
+          </p:cNvCxnSpPr>
+          <p:nvPr/>
+        </p:nvCxnSpPr>
+        <p:spPr>
+          <a:xfrm>
+            <a:off x="5488399" y="4490258"/>
+            <a:ext cx="577258" cy="0"/>
+          </a:xfrm>
+          <a:prstGeom prst="straightConnector1">
+            <a:avLst/>
+          </a:prstGeom>
+          <a:ln>
+            <a:tailEnd type="arrow"/>
+          </a:ln>
+        </p:spPr>
+        <p:style>
+          <a:lnRef idx="2">
+            <a:schemeClr val="accent1"/>
+          </a:lnRef>
+          <a:fillRef idx="0">
+            <a:schemeClr val="accent1"/>
+          </a:fillRef>
+          <a:effectRef idx="1">
+            <a:schemeClr val="accent1"/>
+          </a:effectRef>
+          <a:fontRef idx="minor">
+            <a:schemeClr val="tx1"/>
+          </a:fontRef>
+        </p:style>
+      </p:cxnSp>
+      <p:sp>
+        <p:nvSpPr>
+          <p:cNvPr id="21" name="TextBox 20"/>
+          <p:cNvSpPr txBox="1"/>
+          <p:nvPr/>
+        </p:nvSpPr>
+        <p:spPr>
+          <a:xfrm>
+            <a:off x="6089952" y="6437002"/>
+            <a:ext cx="2295408" cy="369332"/>
+          </a:xfrm>
+          <a:prstGeom prst="rect">
+            <a:avLst/>
+          </a:prstGeom>
+          <a:noFill/>
+        </p:spPr>
+        <p:txBody>
+          <a:bodyPr wrap="none" rtlCol="0">
+            <a:spAutoFit/>
+          </a:bodyPr>
+          <a:lstStyle/>
+          <a:p>
+            <a:r>
+              <a:rPr lang="en-US" dirty="0" smtClean="0"/>
+              <a:t>Global Flood Database</a:t>
+            </a:r>
+            <a:endParaRPr lang="en-US" dirty="0"/>
+          </a:p>
+        </p:txBody>
+      </p:sp>
+    </p:spTree>
+    <p:extLst>
+      <p:ext uri="{BB962C8B-B14F-4D97-AF65-F5344CB8AC3E}">
+        <p14:creationId xmlns:p14="http://schemas.microsoft.com/office/powerpoint/2010/main" val="389509561"/>
+      </p:ext>
+    </p:extLst>
+  </p:cSld>
+  <p:clrMapOvr>
+    <a:masterClrMapping/>
+  </p:clrMapOvr>
+</p:sld>
+</file>
+
+<file path=ppt/slides/slide14.xml><?xml version="1.0" encoding="utf-8"?>
+<p:sld xmlns:a="http://schemas.openxmlformats.org/drawingml/2006/main" xmlns:r="http://schemas.openxmlformats.org/officeDocument/2006/relationships" xmlns:p="http://schemas.openxmlformats.org/presentationml/2006/main">
+  <p:cSld>
+    <p:spTree>
+      <p:nvGrpSpPr>
+        <p:cNvPr id="1" name=""/>
+        <p:cNvGrpSpPr/>
+        <p:nvPr/>
+      </p:nvGrpSpPr>
+      <p:grpSpPr>
+        <a:xfrm>
+          <a:off x="0" y="0"/>
+          <a:ext cx="0" cy="0"/>
+          <a:chOff x="0" y="0"/>
+          <a:chExt cx="0" cy="0"/>
+        </a:xfrm>
+      </p:grpSpPr>
+      <p:sp>
+        <p:nvSpPr>
+          <p:cNvPr id="2" name="Title 1"/>
+          <p:cNvSpPr>
+            <a:spLocks noGrp="1"/>
+          </p:cNvSpPr>
+          <p:nvPr>
+            <p:ph type="title"/>
+          </p:nvPr>
+        </p:nvSpPr>
+        <p:spPr>
+          <a:xfrm>
+            <a:off x="457200" y="0"/>
+            <a:ext cx="8229600" cy="941338"/>
+          </a:xfrm>
+        </p:spPr>
+        <p:txBody>
+          <a:bodyPr>
+            <a:normAutofit/>
+          </a:bodyPr>
+          <a:lstStyle/>
+          <a:p>
+            <a:r>
+              <a:rPr lang="en-US" dirty="0" smtClean="0"/>
+              <a:t>Let’s Get Started…</a:t>
+            </a:r>
+            <a:endParaRPr lang="en-US" dirty="0"/>
+          </a:p>
+        </p:txBody>
+      </p:sp>
+      <p:sp>
+        <p:nvSpPr>
+          <p:cNvPr id="4" name="Slide Number Placeholder 3"/>
+          <p:cNvSpPr>
+            <a:spLocks noGrp="1"/>
+          </p:cNvSpPr>
+          <p:nvPr>
+            <p:ph type="sldNum" sz="quarter" idx="12"/>
+          </p:nvPr>
+        </p:nvSpPr>
+        <p:spPr/>
+        <p:txBody>
+          <a:bodyPr/>
+          <a:lstStyle/>
+          <a:p>
+            <a:fld id="{040A4A47-3CE9-9541-865B-5C4AF75C5609}" type="slidenum">
+              <a:rPr lang="en-US" smtClean="0"/>
+              <a:t>14</a:t>
+            </a:fld>
+            <a:endParaRPr lang="en-US"/>
+          </a:p>
+        </p:txBody>
+      </p:sp>
+      <p:pic>
+        <p:nvPicPr>
+          <p:cNvPr id="6" name="Picture 5"/>
+          <p:cNvPicPr>
+            <a:picLocks noChangeAspect="1"/>
+          </p:cNvPicPr>
+          <p:nvPr/>
+        </p:nvPicPr>
+        <p:blipFill>
+          <a:blip r:embed="rId2"/>
+          <a:stretch>
+            <a:fillRect/>
+          </a:stretch>
+        </p:blipFill>
+        <p:spPr>
+          <a:xfrm>
+            <a:off x="2418365" y="2376614"/>
+            <a:ext cx="1270000" cy="1270000"/>
+          </a:xfrm>
+          <a:prstGeom prst="rect">
+            <a:avLst/>
+          </a:prstGeom>
+        </p:spPr>
+      </p:pic>
+      <p:sp>
+        <p:nvSpPr>
+          <p:cNvPr id="8" name="TextBox 7"/>
+          <p:cNvSpPr txBox="1"/>
+          <p:nvPr/>
+        </p:nvSpPr>
+        <p:spPr>
+          <a:xfrm>
+            <a:off x="390760" y="2522074"/>
+            <a:ext cx="1198728" cy="369332"/>
+          </a:xfrm>
+          <a:prstGeom prst="rect">
+            <a:avLst/>
+          </a:prstGeom>
+          <a:noFill/>
+        </p:spPr>
+        <p:txBody>
+          <a:bodyPr wrap="none" rtlCol="0">
+            <a:spAutoFit/>
+          </a:bodyPr>
+          <a:lstStyle/>
+          <a:p>
+            <a:r>
+              <a:rPr lang="en-US" dirty="0" smtClean="0"/>
+              <a:t>Radarsat-2</a:t>
+            </a:r>
+          </a:p>
+        </p:txBody>
+      </p:sp>
+      <p:cxnSp>
+        <p:nvCxnSpPr>
+          <p:cNvPr id="11" name="Straight Arrow Connector 10"/>
+          <p:cNvCxnSpPr/>
+          <p:nvPr/>
+        </p:nvCxnSpPr>
+        <p:spPr>
+          <a:xfrm>
+            <a:off x="1660729" y="2735208"/>
+            <a:ext cx="692710" cy="0"/>
+          </a:xfrm>
+          <a:prstGeom prst="straightConnector1">
+            <a:avLst/>
+          </a:prstGeom>
+          <a:ln>
+            <a:tailEnd type="arrow"/>
+          </a:ln>
+        </p:spPr>
+        <p:style>
+          <a:lnRef idx="2">
+            <a:schemeClr val="accent1"/>
+          </a:lnRef>
+          <a:fillRef idx="0">
+            <a:schemeClr val="accent1"/>
+          </a:fillRef>
+          <a:effectRef idx="1">
+            <a:schemeClr val="accent1"/>
+          </a:effectRef>
+          <a:fontRef idx="minor">
+            <a:schemeClr val="tx1"/>
+          </a:fontRef>
+        </p:style>
+      </p:cxnSp>
+      <p:sp>
+        <p:nvSpPr>
+          <p:cNvPr id="12" name="Rectangle 11"/>
+          <p:cNvSpPr/>
+          <p:nvPr/>
+        </p:nvSpPr>
+        <p:spPr>
+          <a:xfrm>
+            <a:off x="208535" y="5057728"/>
+            <a:ext cx="4572000" cy="646331"/>
+          </a:xfrm>
+          <a:prstGeom prst="rect">
+            <a:avLst/>
+          </a:prstGeom>
+        </p:spPr>
+        <p:txBody>
+          <a:bodyPr>
+            <a:spAutoFit/>
+          </a:bodyPr>
+          <a:lstStyle/>
+          <a:p>
+            <a:r>
+              <a:rPr lang="en-US" dirty="0" smtClean="0"/>
+              <a:t>Infrastructure: AWS, RDS</a:t>
+            </a:r>
+            <a:endParaRPr lang="en-US" dirty="0"/>
+          </a:p>
+          <a:p>
+            <a:r>
+              <a:rPr lang="en-US" dirty="0" smtClean="0"/>
+              <a:t>DEM</a:t>
+            </a:r>
+            <a:r>
+              <a:rPr lang="en-US" dirty="0"/>
+              <a:t>, HAND, Reference </a:t>
+            </a:r>
+            <a:r>
+              <a:rPr lang="en-US" dirty="0" smtClean="0"/>
+              <a:t>Water</a:t>
+            </a:r>
+          </a:p>
+        </p:txBody>
+      </p:sp>
+      <p:pic>
+        <p:nvPicPr>
+          <p:cNvPr id="13" name="Picture 12"/>
+          <p:cNvPicPr>
+            <a:picLocks noChangeAspect="1"/>
+          </p:cNvPicPr>
+          <p:nvPr/>
+        </p:nvPicPr>
+        <p:blipFill>
+          <a:blip r:embed="rId3"/>
+          <a:stretch>
+            <a:fillRect/>
+          </a:stretch>
+        </p:blipFill>
+        <p:spPr>
+          <a:xfrm>
+            <a:off x="4468929" y="3099192"/>
+            <a:ext cx="623211" cy="623211"/>
+          </a:xfrm>
+          <a:prstGeom prst="rect">
+            <a:avLst/>
+          </a:prstGeom>
+        </p:spPr>
+      </p:pic>
+      <p:cxnSp>
+        <p:nvCxnSpPr>
+          <p:cNvPr id="17" name="Straight Arrow Connector 16"/>
+          <p:cNvCxnSpPr/>
+          <p:nvPr/>
+        </p:nvCxnSpPr>
+        <p:spPr>
+          <a:xfrm>
+            <a:off x="3776219" y="3420441"/>
+            <a:ext cx="692710" cy="0"/>
+          </a:xfrm>
+          <a:prstGeom prst="straightConnector1">
+            <a:avLst/>
+          </a:prstGeom>
+          <a:ln>
+            <a:tailEnd type="arrow"/>
+          </a:ln>
+        </p:spPr>
+        <p:style>
+          <a:lnRef idx="2">
+            <a:schemeClr val="accent1"/>
+          </a:lnRef>
+          <a:fillRef idx="0">
+            <a:schemeClr val="accent1"/>
+          </a:fillRef>
+          <a:effectRef idx="1">
+            <a:schemeClr val="accent1"/>
+          </a:effectRef>
+          <a:fontRef idx="minor">
+            <a:schemeClr val="tx1"/>
+          </a:fontRef>
+        </p:style>
+      </p:cxnSp>
+      <p:sp>
+        <p:nvSpPr>
+          <p:cNvPr id="26" name="TextBox 25"/>
+          <p:cNvSpPr txBox="1"/>
+          <p:nvPr/>
+        </p:nvSpPr>
+        <p:spPr>
+          <a:xfrm>
+            <a:off x="2023472" y="3880798"/>
+            <a:ext cx="2151926" cy="369332"/>
+          </a:xfrm>
+          <a:prstGeom prst="rect">
+            <a:avLst/>
+          </a:prstGeom>
+          <a:noFill/>
+        </p:spPr>
+        <p:txBody>
+          <a:bodyPr wrap="none" rtlCol="0">
+            <a:spAutoFit/>
+          </a:bodyPr>
+          <a:lstStyle/>
+          <a:p>
+            <a:r>
+              <a:rPr lang="en-US" dirty="0" smtClean="0"/>
+              <a:t>AWS Virtual Instance</a:t>
+            </a:r>
+            <a:endParaRPr lang="en-US" dirty="0"/>
+          </a:p>
+        </p:txBody>
+      </p:sp>
+      <p:sp>
+        <p:nvSpPr>
+          <p:cNvPr id="27" name="TextBox 26"/>
+          <p:cNvSpPr txBox="1"/>
+          <p:nvPr/>
+        </p:nvSpPr>
+        <p:spPr>
+          <a:xfrm>
+            <a:off x="4591169" y="2543368"/>
+            <a:ext cx="1189824" cy="369332"/>
+          </a:xfrm>
+          <a:prstGeom prst="rect">
+            <a:avLst/>
+          </a:prstGeom>
+          <a:noFill/>
+        </p:spPr>
+        <p:txBody>
+          <a:bodyPr wrap="none" rtlCol="0">
+            <a:spAutoFit/>
+          </a:bodyPr>
+          <a:lstStyle/>
+          <a:p>
+            <a:r>
+              <a:rPr lang="en-US" dirty="0" smtClean="0"/>
+              <a:t>Flood Map</a:t>
+            </a:r>
+            <a:endParaRPr lang="en-US" dirty="0"/>
+          </a:p>
+        </p:txBody>
+      </p:sp>
+      <p:pic>
+        <p:nvPicPr>
+          <p:cNvPr id="3" name="Picture 2"/>
+          <p:cNvPicPr>
+            <a:picLocks noChangeAspect="1"/>
+          </p:cNvPicPr>
+          <p:nvPr/>
+        </p:nvPicPr>
+        <p:blipFill>
+          <a:blip r:embed="rId4"/>
+          <a:stretch>
+            <a:fillRect/>
+          </a:stretch>
+        </p:blipFill>
+        <p:spPr>
+          <a:xfrm>
+            <a:off x="2614729" y="1222239"/>
+            <a:ext cx="1854200" cy="1092200"/>
+          </a:xfrm>
+          <a:prstGeom prst="rect">
+            <a:avLst/>
+          </a:prstGeom>
+        </p:spPr>
+      </p:pic>
+      <p:sp>
+        <p:nvSpPr>
+          <p:cNvPr id="5" name="TextBox 4"/>
+          <p:cNvSpPr txBox="1"/>
+          <p:nvPr/>
+        </p:nvSpPr>
+        <p:spPr>
+          <a:xfrm>
+            <a:off x="217416" y="1222239"/>
+            <a:ext cx="1694995" cy="369332"/>
+          </a:xfrm>
+          <a:prstGeom prst="rect">
+            <a:avLst/>
+          </a:prstGeom>
+          <a:noFill/>
+        </p:spPr>
+        <p:txBody>
+          <a:bodyPr wrap="none" rtlCol="0">
+            <a:spAutoFit/>
+          </a:bodyPr>
+          <a:lstStyle/>
+          <a:p>
+            <a:r>
+              <a:rPr lang="en-US" dirty="0" err="1" smtClean="0"/>
+              <a:t>OpenStreetMap</a:t>
+            </a:r>
+            <a:endParaRPr lang="en-US" dirty="0"/>
+          </a:p>
+        </p:txBody>
+      </p:sp>
+      <p:cxnSp>
+        <p:nvCxnSpPr>
+          <p:cNvPr id="20" name="Straight Arrow Connector 19"/>
+          <p:cNvCxnSpPr/>
+          <p:nvPr/>
+        </p:nvCxnSpPr>
+        <p:spPr>
+          <a:xfrm flipV="1">
+            <a:off x="2023472" y="1454565"/>
+            <a:ext cx="394893" cy="1"/>
+          </a:xfrm>
+          <a:prstGeom prst="straightConnector1">
+            <a:avLst/>
+          </a:prstGeom>
+          <a:ln>
+            <a:tailEnd type="arrow"/>
+          </a:ln>
+        </p:spPr>
+        <p:style>
+          <a:lnRef idx="2">
+            <a:schemeClr val="accent1"/>
+          </a:lnRef>
+          <a:fillRef idx="0">
+            <a:schemeClr val="accent1"/>
+          </a:fillRef>
+          <a:effectRef idx="1">
+            <a:schemeClr val="accent1"/>
+          </a:effectRef>
+          <a:fontRef idx="minor">
+            <a:schemeClr val="tx1"/>
+          </a:fontRef>
+        </p:style>
+      </p:cxnSp>
+      <p:sp>
+        <p:nvSpPr>
+          <p:cNvPr id="9" name="TextBox 8"/>
+          <p:cNvSpPr txBox="1"/>
+          <p:nvPr/>
+        </p:nvSpPr>
+        <p:spPr>
+          <a:xfrm>
+            <a:off x="3314618" y="1085233"/>
+            <a:ext cx="1165027" cy="646331"/>
+          </a:xfrm>
+          <a:prstGeom prst="rect">
+            <a:avLst/>
+          </a:prstGeom>
+          <a:solidFill>
+            <a:schemeClr val="bg1"/>
+          </a:solidFill>
+        </p:spPr>
+        <p:txBody>
+          <a:bodyPr wrap="none" rtlCol="0">
+            <a:spAutoFit/>
+          </a:bodyPr>
+          <a:lstStyle/>
+          <a:p>
+            <a:r>
+              <a:rPr lang="en-US" dirty="0" smtClean="0"/>
               <a:t>POSTGRES</a:t>
+            </a:r>
+          </a:p>
+          <a:p>
+            <a:r>
+              <a:rPr lang="en-US" dirty="0" smtClean="0"/>
+              <a:t>Database</a:t>
             </a:r>
             <a:endParaRPr lang="en-US" dirty="0"/>
           </a:p>
@@ -6676,7 +6869,7 @@
         </p:nvSpPr>
         <p:spPr>
           <a:xfrm>
-            <a:off x="5186081" y="1071645"/>
+            <a:off x="5337962" y="1085233"/>
             <a:ext cx="1367119" cy="369332"/>
           </a:xfrm>
           <a:prstGeom prst="rect">
@@ -6835,6 +7028,73 @@
           </a:prstGeom>
         </p:spPr>
       </p:pic>
+      <p:cxnSp>
+        <p:nvCxnSpPr>
+          <p:cNvPr id="14" name="Straight Arrow Connector 13"/>
+          <p:cNvCxnSpPr/>
+          <p:nvPr/>
+        </p:nvCxnSpPr>
+        <p:spPr>
+          <a:xfrm>
+            <a:off x="4780535" y="1527041"/>
+            <a:ext cx="532780" cy="0"/>
+          </a:xfrm>
+          <a:prstGeom prst="straightConnector1">
+            <a:avLst/>
+          </a:prstGeom>
+          <a:ln>
+            <a:headEnd type="arrow"/>
+            <a:tailEnd type="arrow"/>
+          </a:ln>
+        </p:spPr>
+        <p:style>
+          <a:lnRef idx="2">
+            <a:schemeClr val="accent1"/>
+          </a:lnRef>
+          <a:fillRef idx="0">
+            <a:schemeClr val="accent1"/>
+          </a:fillRef>
+          <a:effectRef idx="1">
+            <a:schemeClr val="accent1"/>
+          </a:effectRef>
+          <a:fontRef idx="minor">
+            <a:schemeClr val="tx1"/>
+          </a:fontRef>
+        </p:style>
+      </p:cxnSp>
+      <p:cxnSp>
+        <p:nvCxnSpPr>
+          <p:cNvPr id="18" name="Straight Arrow Connector 17"/>
+          <p:cNvCxnSpPr/>
+          <p:nvPr/>
+        </p:nvCxnSpPr>
+        <p:spPr>
+          <a:xfrm>
+            <a:off x="6092608" y="1527041"/>
+            <a:ext cx="0" cy="273839"/>
+          </a:xfrm>
+          <a:prstGeom prst="straightConnector1">
+            <a:avLst/>
+          </a:prstGeom>
+          <a:ln>
+            <a:tailEnd type="arrow"/>
+          </a:ln>
+        </p:spPr>
+        <p:style>
+          <a:lnRef idx="2">
+            <a:schemeClr val="accent1"/>
+          </a:lnRef>
+          <a:fillRef idx="0">
+            <a:schemeClr val="accent1"/>
+          </a:fillRef>
+          <a:effectRef idx="1">
+            <a:schemeClr val="accent1"/>
+          </a:effectRef>
+          <a:fontRef idx="minor">
+            <a:schemeClr val="tx1"/>
+          </a:fontRef>
+        </p:style>
+      </p:cxnSp>
     </p:spTree>
     <p:extLst>
       <p:ext uri="{BB962C8B-B14F-4D97-AF65-F5344CB8AC3E}">

--- a/OJO-Publisher.pptx
+++ b/OJO-Publisher.pptx
@@ -3908,7 +3908,7 @@
         <p:spPr>
           <a:xfrm>
             <a:off x="457200" y="0"/>
-            <a:ext cx="8229600" cy="941338"/>
+            <a:ext cx="8229600" cy="756672"/>
           </a:xfrm>
         </p:spPr>
         <p:txBody>
@@ -3918,10 +3918,10 @@
           <a:lstStyle/>
           <a:p>
             <a:r>
-              <a:rPr lang="en-US" dirty="0" smtClean="0"/>
-              <a:t>Goal Today</a:t>
-            </a:r>
-            <a:endParaRPr lang="en-US" dirty="0"/>
+              <a:rPr lang="en-US" sz="3200" dirty="0" smtClean="0"/>
+              <a:t>What We Hope To Accomplish Today</a:t>
+            </a:r>
+            <a:endParaRPr lang="en-US" sz="3200" dirty="0"/>
           </a:p>
         </p:txBody>
       </p:sp>
@@ -4210,8 +4210,8 @@
         </p:blipFill>
         <p:spPr>
           <a:xfrm>
-            <a:off x="7251700" y="1933545"/>
-            <a:ext cx="1435100" cy="1854200"/>
+            <a:off x="7372267" y="1559821"/>
+            <a:ext cx="902179" cy="1165647"/>
           </a:xfrm>
           <a:prstGeom prst="rect">
             <a:avLst/>
@@ -4323,7 +4323,7 @@
         <p:spPr>
           <a:xfrm>
             <a:off x="6184687" y="2376614"/>
-            <a:ext cx="848988" cy="358594"/>
+            <a:ext cx="952878" cy="0"/>
           </a:xfrm>
           <a:prstGeom prst="straightConnector1">
             <a:avLst/>
@@ -4386,7 +4386,7 @@
         </p:nvSpPr>
         <p:spPr>
           <a:xfrm>
-            <a:off x="4572000" y="3891504"/>
+            <a:off x="4175398" y="2655284"/>
             <a:ext cx="1189824" cy="369332"/>
           </a:xfrm>
           <a:prstGeom prst="rect">
@@ -4558,6 +4558,87 @@
           </a:fontRef>
         </p:style>
       </p:cxnSp>
+      <p:pic>
+        <p:nvPicPr>
+          <p:cNvPr id="23" name="Picture 22"/>
+          <p:cNvPicPr>
+            <a:picLocks noChangeAspect="1"/>
+          </p:cNvPicPr>
+          <p:nvPr/>
+        </p:nvPicPr>
+        <p:blipFill>
+          <a:blip r:embed="rId8"/>
+          <a:stretch>
+            <a:fillRect/>
+          </a:stretch>
+        </p:blipFill>
+        <p:spPr>
+          <a:xfrm>
+            <a:off x="4468929" y="3880798"/>
+            <a:ext cx="690876" cy="690876"/>
+          </a:xfrm>
+          <a:prstGeom prst="rect">
+            <a:avLst/>
+          </a:prstGeom>
+        </p:spPr>
+      </p:pic>
+      <p:cxnSp>
+        <p:nvCxnSpPr>
+          <p:cNvPr id="25" name="Straight Arrow Connector 24"/>
+          <p:cNvCxnSpPr/>
+          <p:nvPr/>
+        </p:nvCxnSpPr>
+        <p:spPr>
+          <a:xfrm>
+            <a:off x="3858143" y="3646614"/>
+            <a:ext cx="474230" cy="299800"/>
+          </a:xfrm>
+          <a:prstGeom prst="straightConnector1">
+            <a:avLst/>
+          </a:prstGeom>
+          <a:ln>
+            <a:tailEnd type="arrow"/>
+          </a:ln>
+        </p:spPr>
+        <p:style>
+          <a:lnRef idx="2">
+            <a:schemeClr val="accent1"/>
+          </a:lnRef>
+          <a:fillRef idx="0">
+            <a:schemeClr val="accent1"/>
+          </a:fillRef>
+          <a:effectRef idx="1">
+            <a:schemeClr val="accent1"/>
+          </a:effectRef>
+          <a:fontRef idx="minor">
+            <a:schemeClr val="tx1"/>
+          </a:fontRef>
+        </p:style>
+      </p:cxnSp>
+      <p:pic>
+        <p:nvPicPr>
+          <p:cNvPr id="28" name="Picture 27"/>
+          <p:cNvPicPr>
+            <a:picLocks noChangeAspect="1"/>
+          </p:cNvPicPr>
+          <p:nvPr/>
+        </p:nvPicPr>
+        <p:blipFill>
+          <a:blip r:embed="rId9"/>
+          <a:stretch>
+            <a:fillRect/>
+          </a:stretch>
+        </p:blipFill>
+        <p:spPr>
+          <a:xfrm>
+            <a:off x="5514991" y="3946414"/>
+            <a:ext cx="2076418" cy="779368"/>
+          </a:xfrm>
+          <a:prstGeom prst="rect">
+            <a:avLst/>
+          </a:prstGeom>
+        </p:spPr>
+      </p:pic>
     </p:spTree>
     <p:extLst>
       <p:ext uri="{BB962C8B-B14F-4D97-AF65-F5344CB8AC3E}">
@@ -4612,7 +4693,7 @@
           <a:p>
             <a:r>
               <a:rPr lang="en-US" dirty="0" smtClean="0"/>
-              <a:t>Goal Later…</a:t>
+              <a:t>Then Publish/Consume…</a:t>
             </a:r>
             <a:endParaRPr lang="en-US" dirty="0"/>
           </a:p>
@@ -5721,7 +5802,11 @@
           <a:p>
             <a:r>
               <a:rPr lang="en-US" dirty="0" smtClean="0"/>
-              <a:t>And Later…</a:t>
+              <a:t>And </a:t>
+            </a:r>
+            <a:r>
+              <a:rPr lang="en-US" dirty="0" smtClean="0"/>
+              <a:t>Later Archive…</a:t>
             </a:r>
             <a:endParaRPr lang="en-US" dirty="0"/>
           </a:p>
